--- a/발표자료/4차 발표.pptx
+++ b/발표자료/4차 발표.pptx
@@ -7111,7 +7111,7 @@
           <p:nvPr>
             <p:extLst>
               <p:ext uri="{D42A27DB-BD31-4B8C-83A1-F6EECF244321}">
-                <p14:modId xmlns:p14="http://schemas.microsoft.com/office/powerpoint/2010/main" val="2168121629"/>
+                <p14:modId xmlns:p14="http://schemas.microsoft.com/office/powerpoint/2010/main" val="1668816153"/>
               </p:ext>
             </p:extLst>
           </p:nvPr>
@@ -7179,7 +7179,7 @@
                       <a:pPr algn="ctr" latinLnBrk="1"/>
                       <a:r>
                         <a:rPr lang="ko-KR" altLang="en-US" sz="1600" dirty="0"/>
-                        <a:t>최소 범위</a:t>
+                        <a:t>기존 발표 목표 범위</a:t>
                       </a:r>
                     </a:p>
                   </a:txBody>
@@ -7193,7 +7193,7 @@
                       <a:pPr algn="ctr" latinLnBrk="1"/>
                       <a:r>
                         <a:rPr lang="ko-KR" altLang="en-US" sz="1600" dirty="0"/>
-                        <a:t>추가 범위</a:t>
+                        <a:t>실제 개발 완료 범위</a:t>
                       </a:r>
                     </a:p>
                   </a:txBody>
@@ -7919,14 +7919,14 @@
           <p:nvPr>
             <p:extLst>
               <p:ext uri="{D42A27DB-BD31-4B8C-83A1-F6EECF244321}">
-                <p14:modId xmlns:p14="http://schemas.microsoft.com/office/powerpoint/2010/main" val="1588703708"/>
+                <p14:modId xmlns:p14="http://schemas.microsoft.com/office/powerpoint/2010/main" val="1146611967"/>
               </p:ext>
             </p:extLst>
           </p:nvPr>
         </p:nvGraphicFramePr>
         <p:xfrm>
-          <a:off x="1251794" y="1181253"/>
-          <a:ext cx="10237051" cy="5398832"/>
+          <a:off x="1251794" y="1148606"/>
+          <a:ext cx="10237051" cy="5555467"/>
         </p:xfrm>
         <a:graphic>
           <a:graphicData uri="http://schemas.openxmlformats.org/drawingml/2006/table">
@@ -7942,27 +7942,34 @@
                 <a:tableStyleId>{5C22544A-7EE6-4342-B048-85BDC9FD1C3A}</a:tableStyleId>
               </a:tblPr>
               <a:tblGrid>
-                <a:gridCol w="2013867">
+                <a:gridCol w="1597938">
                   <a:extLst>
                     <a:ext uri="{9D8B030D-6E8A-4147-A177-3AD203B41FA5}">
                       <a16:colId xmlns:a16="http://schemas.microsoft.com/office/drawing/2014/main" val="3740341982"/>
                     </a:ext>
                   </a:extLst>
                 </a:gridCol>
-                <a:gridCol w="4810834">
+                <a:gridCol w="5059828">
                   <a:extLst>
                     <a:ext uri="{9D8B030D-6E8A-4147-A177-3AD203B41FA5}">
                       <a16:colId xmlns:a16="http://schemas.microsoft.com/office/drawing/2014/main" val="3944871571"/>
                     </a:ext>
                   </a:extLst>
                 </a:gridCol>
-                <a:gridCol w="3412350">
+                <a:gridCol w="1873110">
                   <a:extLst>
                     <a:ext uri="{9D8B030D-6E8A-4147-A177-3AD203B41FA5}">
                       <a16:colId xmlns:a16="http://schemas.microsoft.com/office/drawing/2014/main" val="1257932463"/>
                     </a:ext>
                   </a:extLst>
                 </a:gridCol>
+                <a:gridCol w="1706175">
+                  <a:extLst>
+                    <a:ext uri="{9D8B030D-6E8A-4147-A177-3AD203B41FA5}">
+                      <a16:colId xmlns:a16="http://schemas.microsoft.com/office/drawing/2014/main" val="1194977277"/>
+                    </a:ext>
+                  </a:extLst>
+                </a:gridCol>
               </a:tblGrid>
               <a:tr h="388083">
                 <a:tc>
@@ -7987,7 +7994,23 @@
                       <a:pPr algn="ctr" latinLnBrk="1"/>
                       <a:r>
                         <a:rPr lang="ko-KR" altLang="en-US" sz="1700" dirty="0"/>
-                        <a:t>최소 범위</a:t>
+                        <a:t>수정 </a:t>
+                      </a:r>
+                      <a:r>
+                        <a:rPr lang="ko-KR" altLang="en-US" sz="1700" dirty="0" err="1"/>
+                        <a:t>됬던</a:t>
+                      </a:r>
+                      <a:r>
+                        <a:rPr lang="ko-KR" altLang="en-US" sz="1700" dirty="0"/>
+                        <a:t> </a:t>
+                      </a:r>
+                      <a:r>
+                        <a:rPr lang="en-US" altLang="ko-KR" sz="1700" dirty="0"/>
+                        <a:t>3</a:t>
+                      </a:r>
+                      <a:r>
+                        <a:rPr lang="ko-KR" altLang="en-US" sz="1700" dirty="0"/>
+                        <a:t>차 발표 목표 범위</a:t>
                       </a:r>
                     </a:p>
                   </a:txBody>
@@ -8001,7 +8024,21 @@
                       <a:pPr algn="ctr" latinLnBrk="1"/>
                       <a:r>
                         <a:rPr lang="ko-KR" altLang="en-US" sz="1700" dirty="0"/>
-                        <a:t>추가 범위</a:t>
+                        <a:t>실제 개발 완료 범위</a:t>
+                      </a:r>
+                    </a:p>
+                  </a:txBody>
+                  <a:tcPr marL="95692" marR="95692" marT="47846" marB="47846"/>
+                </a:tc>
+                <a:tc>
+                  <a:txBody>
+                    <a:bodyPr/>
+                    <a:lstStyle/>
+                    <a:p>
+                      <a:pPr algn="ctr" latinLnBrk="1"/>
+                      <a:r>
+                        <a:rPr lang="ko-KR" altLang="en-US" sz="1700" dirty="0"/>
+                        <a:t>진척도</a:t>
                       </a:r>
                     </a:p>
                   </a:txBody>
@@ -8035,114 +8072,112 @@
                     <a:p>
                       <a:pPr latinLnBrk="1"/>
                       <a:r>
-                        <a:rPr lang="ko-KR" altLang="en-US" sz="1700" dirty="0"/>
+                        <a:rPr lang="ko-KR" altLang="en-US" sz="1700" dirty="0">
+                          <a:solidFill>
+                            <a:schemeClr val="tx1"/>
+                          </a:solidFill>
+                        </a:rPr>
                         <a:t>방향키로 </a:t>
                       </a:r>
+                      <a:r>
+                        <a:rPr lang="en-US" altLang="ko-KR" sz="1700" dirty="0">
+                          <a:solidFill>
+                            <a:schemeClr val="tx1"/>
+                          </a:solidFill>
+                        </a:rPr>
+                        <a:t>2</a:t>
+                      </a:r>
+                      <a:r>
+                        <a:rPr lang="ko-KR" altLang="en-US" sz="1700" dirty="0">
+                          <a:solidFill>
+                            <a:schemeClr val="tx1"/>
+                          </a:solidFill>
+                        </a:rPr>
+                        <a:t>방향 이동</a:t>
+                      </a:r>
+                      <a:r>
+                        <a:rPr lang="en-US" altLang="ko-KR" sz="1700" dirty="0">
+                          <a:solidFill>
+                            <a:schemeClr val="tx1"/>
+                          </a:solidFill>
+                        </a:rPr>
+                        <a:t>/</a:t>
+                      </a:r>
+                      <a:r>
+                        <a:rPr lang="ko-KR" altLang="en-US" sz="1700" dirty="0">
+                          <a:solidFill>
+                            <a:schemeClr val="tx1"/>
+                          </a:solidFill>
+                        </a:rPr>
+                        <a:t> </a:t>
+                      </a:r>
+                      <a:r>
+                        <a:rPr lang="en-US" altLang="ko-KR" sz="1700" dirty="0">
+                          <a:solidFill>
+                            <a:schemeClr val="tx1"/>
+                          </a:solidFill>
+                        </a:rPr>
+                        <a:t>‘z’</a:t>
+                      </a:r>
+                      <a:r>
+                        <a:rPr lang="ko-KR" altLang="en-US" sz="1700" dirty="0">
+                          <a:solidFill>
+                            <a:schemeClr val="tx1"/>
+                          </a:solidFill>
+                        </a:rPr>
+                        <a:t>키를 이용한 점프</a:t>
+                      </a:r>
+                    </a:p>
+                  </a:txBody>
+                  <a:tcPr marL="95692" marR="95692" marT="47846" marB="47846"/>
+                </a:tc>
+                <a:tc>
+                  <a:txBody>
+                    <a:bodyPr/>
+                    <a:lstStyle/>
+                    <a:p>
+                      <a:pPr latinLnBrk="1"/>
+                      <a:r>
+                        <a:rPr lang="ko-KR" altLang="en-US" sz="1600" dirty="0">
+                          <a:solidFill>
+                            <a:schemeClr val="tx1"/>
+                          </a:solidFill>
+                        </a:rPr>
+                        <a:t>좌우이동</a:t>
+                      </a:r>
+                      <a:r>
+                        <a:rPr lang="en-US" altLang="ko-KR" sz="1600" dirty="0">
+                          <a:solidFill>
+                            <a:schemeClr val="tx1"/>
+                          </a:solidFill>
+                        </a:rPr>
+                        <a:t>, </a:t>
+                      </a:r>
+                      <a:r>
+                        <a:rPr lang="ko-KR" altLang="en-US" sz="1600" dirty="0">
+                          <a:solidFill>
+                            <a:schemeClr val="tx1"/>
+                          </a:solidFill>
+                        </a:rPr>
+                        <a:t>점프 구현</a:t>
+                      </a:r>
+                    </a:p>
+                  </a:txBody>
+                  <a:tcPr marL="95692" marR="95692" marT="47846" marB="47846"/>
+                </a:tc>
+                <a:tc>
+                  <a:txBody>
+                    <a:bodyPr/>
+                    <a:lstStyle/>
+                    <a:p>
+                      <a:pPr latinLnBrk="1"/>
                       <a:r>
                         <a:rPr lang="en-US" altLang="ko-KR" sz="1700" dirty="0">
                           <a:solidFill>
                             <a:srgbClr val="3333FF"/>
                           </a:solidFill>
                         </a:rPr>
-                        <a:t>2</a:t>
-                      </a:r>
-                      <a:r>
-                        <a:rPr lang="ko-KR" altLang="en-US" sz="1700" dirty="0">
-                          <a:solidFill>
-                            <a:srgbClr val="3333FF"/>
-                          </a:solidFill>
-                        </a:rPr>
-                        <a:t>방향 </a:t>
-                      </a:r>
-                      <a:r>
-                        <a:rPr lang="ko-KR" altLang="en-US" sz="1700" dirty="0"/>
-                        <a:t>이동</a:t>
-                      </a:r>
-                      <a:r>
-                        <a:rPr lang="en-US" altLang="ko-KR" sz="1700" dirty="0"/>
-                        <a:t>/</a:t>
-                      </a:r>
-                      <a:r>
-                        <a:rPr lang="ko-KR" altLang="en-US" sz="1700" dirty="0"/>
-                        <a:t> </a:t>
-                      </a:r>
-                      <a:r>
-                        <a:rPr lang="en-US" altLang="ko-KR" sz="1700" dirty="0"/>
-                        <a:t>‘z’</a:t>
-                      </a:r>
-                      <a:r>
-                        <a:rPr lang="ko-KR" altLang="en-US" sz="1700" dirty="0"/>
-                        <a:t>키를 이용한 점프</a:t>
-                      </a:r>
-                      <a:r>
-                        <a:rPr lang="en-US" altLang="ko-KR" sz="1700" dirty="0"/>
-                        <a:t>/ </a:t>
-                      </a:r>
-                      <a:r>
-                        <a:rPr lang="ko-KR" altLang="en-US" sz="1700" dirty="0">
-                          <a:solidFill>
-                            <a:srgbClr val="FF0000"/>
-                          </a:solidFill>
-                        </a:rPr>
-                        <a:t>기본 공격</a:t>
-                      </a:r>
-                      <a:r>
-                        <a:rPr lang="en-US" altLang="ko-KR" sz="1700" dirty="0">
-                          <a:solidFill>
-                            <a:srgbClr val="FF0000"/>
-                          </a:solidFill>
-                        </a:rPr>
-                        <a:t> </a:t>
-                      </a:r>
-                      <a:r>
-                        <a:rPr lang="ko-KR" altLang="en-US" sz="1700" dirty="0">
-                          <a:solidFill>
-                            <a:srgbClr val="FF0000"/>
-                          </a:solidFill>
-                        </a:rPr>
-                        <a:t>삭제</a:t>
-                      </a:r>
-                    </a:p>
-                  </a:txBody>
-                  <a:tcPr marL="95692" marR="95692" marT="47846" marB="47846"/>
-                </a:tc>
-                <a:tc>
-                  <a:txBody>
-                    <a:bodyPr/>
-                    <a:lstStyle/>
-                    <a:p>
-                      <a:pPr latinLnBrk="1"/>
-                      <a:r>
-                        <a:rPr lang="ko-KR" altLang="en-US" sz="1700" dirty="0">
-                          <a:solidFill>
-                            <a:srgbClr val="FF0000"/>
-                          </a:solidFill>
-                        </a:rPr>
-                        <a:t>이중 점프 삭제 </a:t>
-                      </a:r>
-                      <a:r>
-                        <a:rPr lang="en-US" altLang="ko-KR" sz="1700" dirty="0">
-                          <a:solidFill>
-                            <a:srgbClr val="FF0000"/>
-                          </a:solidFill>
-                        </a:rPr>
-                        <a:t>(</a:t>
-                      </a:r>
-                      <a:r>
-                        <a:rPr lang="ko-KR" altLang="en-US" sz="1700" dirty="0">
-                          <a:solidFill>
-                            <a:srgbClr val="FF0000"/>
-                          </a:solidFill>
-                        </a:rPr>
-                        <a:t>난이도 조정</a:t>
-                      </a:r>
-                      <a:r>
-                        <a:rPr lang="en-US" altLang="ko-KR" sz="1700" dirty="0">
-                          <a:solidFill>
-                            <a:srgbClr val="FF0000"/>
-                          </a:solidFill>
-                        </a:rPr>
-                        <a:t>)</a:t>
+                        <a:t>100%</a:t>
                       </a:r>
                       <a:endParaRPr lang="ko-KR" altLang="en-US" sz="1700" dirty="0">
                         <a:solidFill>
@@ -8178,389 +8213,6 @@
                   <a:txBody>
                     <a:bodyPr/>
                     <a:lstStyle/>
-                    <a:p>
-                      <a:pPr latinLnBrk="1"/>
-                      <a:r>
-                        <a:rPr lang="ko-KR" altLang="en-US" sz="1700" dirty="0"/>
-                        <a:t> </a:t>
-                      </a:r>
-                      <a:r>
-                        <a:rPr lang="en-US" altLang="ko-KR" sz="1700" dirty="0"/>
-                        <a:t>‘</a:t>
-                      </a:r>
-                      <a:r>
-                        <a:rPr lang="en-US" altLang="ko-KR" sz="1700" dirty="0">
-                          <a:solidFill>
-                            <a:srgbClr val="3333FF"/>
-                          </a:solidFill>
-                        </a:rPr>
-                        <a:t>c</a:t>
-                      </a:r>
-                      <a:r>
-                        <a:rPr lang="en-US" altLang="ko-KR" sz="1700" dirty="0"/>
-                        <a:t>’</a:t>
-                      </a:r>
-                      <a:r>
-                        <a:rPr lang="ko-KR" altLang="en-US" sz="1700" dirty="0"/>
-                        <a:t>키를 이용한 공격</a:t>
-                      </a:r>
-                    </a:p>
-                  </a:txBody>
-                  <a:tcPr marL="95692" marR="95692" marT="47846" marB="47846"/>
-                </a:tc>
-                <a:tc>
-                  <a:txBody>
-                    <a:bodyPr/>
-                    <a:lstStyle/>
-                    <a:p>
-                      <a:pPr latinLnBrk="1"/>
-                      <a:r>
-                        <a:rPr lang="ko-KR" altLang="en-US" sz="1700" dirty="0"/>
-                        <a:t>아이템을 획득하면 원거리 공격</a:t>
-                      </a:r>
-                    </a:p>
-                  </a:txBody>
-                  <a:tcPr marL="95692" marR="95692" marT="47846" marB="47846"/>
-                </a:tc>
-                <a:extLst>
-                  <a:ext uri="{0D108BD9-81ED-4DB2-BD59-A6C34878D82A}">
-                    <a16:rowId xmlns:a16="http://schemas.microsoft.com/office/drawing/2014/main" val="1497989340"/>
-                  </a:ext>
-                </a:extLst>
-              </a:tr>
-              <a:tr h="606047">
-                <a:tc>
-                  <a:txBody>
-                    <a:bodyPr/>
-                    <a:lstStyle/>
-                    <a:p>
-                      <a:pPr latinLnBrk="1"/>
-                      <a:r>
-                        <a:rPr lang="ko-KR" altLang="en-US" sz="1700" dirty="0"/>
-                        <a:t>맵</a:t>
-                      </a:r>
-                      <a:r>
-                        <a:rPr lang="en-US" altLang="ko-KR" sz="1700" dirty="0"/>
-                        <a:t>, </a:t>
-                      </a:r>
-                      <a:r>
-                        <a:rPr lang="ko-KR" altLang="en-US" sz="1700" dirty="0"/>
-                        <a:t>스테이지</a:t>
-                      </a:r>
-                    </a:p>
-                  </a:txBody>
-                  <a:tcPr marL="95692" marR="95692" marT="47846" marB="47846"/>
-                </a:tc>
-                <a:tc>
-                  <a:txBody>
-                    <a:bodyPr/>
-                    <a:lstStyle/>
-                    <a:p>
-                      <a:pPr latinLnBrk="1"/>
-                      <a:r>
-                        <a:rPr lang="ko-KR" altLang="en-US" sz="1700" dirty="0"/>
-                        <a:t>스테이지 </a:t>
-                      </a:r>
-                      <a:r>
-                        <a:rPr lang="en-US" altLang="ko-KR" sz="1700" dirty="0">
-                          <a:solidFill>
-                            <a:srgbClr val="3333FF"/>
-                          </a:solidFill>
-                        </a:rPr>
-                        <a:t>1</a:t>
-                      </a:r>
-                      <a:r>
-                        <a:rPr lang="ko-KR" altLang="en-US" sz="1700" dirty="0"/>
-                        <a:t>개 </a:t>
-                      </a:r>
-                      <a:r>
-                        <a:rPr lang="en-US" altLang="ko-KR" sz="1700" dirty="0"/>
-                        <a:t>(</a:t>
-                      </a:r>
-                      <a:r>
-                        <a:rPr lang="ko-KR" altLang="en-US" sz="1700" dirty="0">
-                          <a:solidFill>
-                            <a:srgbClr val="3333FF"/>
-                          </a:solidFill>
-                        </a:rPr>
-                        <a:t>직접 제작한 맵 </a:t>
-                      </a:r>
-                      <a:r>
-                        <a:rPr lang="en-US" altLang="ko-KR" sz="1700" dirty="0">
-                          <a:solidFill>
-                            <a:srgbClr val="3333FF"/>
-                          </a:solidFill>
-                        </a:rPr>
-                        <a:t>: </a:t>
-                      </a:r>
-                      <a:r>
-                        <a:rPr lang="ko-KR" altLang="en-US" sz="1700" dirty="0" err="1">
-                          <a:solidFill>
-                            <a:srgbClr val="3333FF"/>
-                          </a:solidFill>
-                        </a:rPr>
-                        <a:t>마리오</a:t>
-                      </a:r>
-                      <a:r>
-                        <a:rPr lang="ko-KR" altLang="en-US" sz="1700" dirty="0">
-                          <a:solidFill>
-                            <a:srgbClr val="3333FF"/>
-                          </a:solidFill>
-                        </a:rPr>
-                        <a:t> 월드</a:t>
-                      </a:r>
-                      <a:r>
-                        <a:rPr lang="en-US" altLang="ko-KR" sz="1700" dirty="0"/>
-                        <a:t>)</a:t>
-                      </a:r>
-                      <a:endParaRPr lang="ko-KR" altLang="en-US" sz="1700" dirty="0"/>
-                    </a:p>
-                  </a:txBody>
-                  <a:tcPr marL="95692" marR="95692" marT="47846" marB="47846"/>
-                </a:tc>
-                <a:tc>
-                  <a:txBody>
-                    <a:bodyPr/>
-                    <a:lstStyle/>
-                    <a:p>
-                      <a:pPr latinLnBrk="1"/>
-                      <a:r>
-                        <a:rPr lang="ko-KR" altLang="en-US" sz="1700" dirty="0">
-                          <a:solidFill>
-                            <a:srgbClr val="FF0000"/>
-                          </a:solidFill>
-                        </a:rPr>
-                        <a:t>최종 보스 스테이지 추가 삭제</a:t>
-                      </a:r>
-                      <a:endParaRPr lang="en-US" altLang="ko-KR" sz="1700" dirty="0">
-                        <a:solidFill>
-                          <a:srgbClr val="FF0000"/>
-                        </a:solidFill>
-                      </a:endParaRPr>
-                    </a:p>
-                    <a:p>
-                      <a:pPr latinLnBrk="1"/>
-                      <a:r>
-                        <a:rPr lang="ko-KR" altLang="en-US" sz="1700" dirty="0">
-                          <a:solidFill>
-                            <a:srgbClr val="3333FF"/>
-                          </a:solidFill>
-                        </a:rPr>
-                        <a:t>난이도를 대폭 올린 스테이지 </a:t>
-                      </a:r>
-                      <a:r>
-                        <a:rPr lang="en-US" altLang="ko-KR" sz="1700" dirty="0">
-                          <a:solidFill>
-                            <a:srgbClr val="3333FF"/>
-                          </a:solidFill>
-                        </a:rPr>
-                        <a:t>2 </a:t>
-                      </a:r>
-                      <a:r>
-                        <a:rPr lang="ko-KR" altLang="en-US" sz="1700" dirty="0">
-                          <a:solidFill>
-                            <a:srgbClr val="3333FF"/>
-                          </a:solidFill>
-                        </a:rPr>
-                        <a:t>추가</a:t>
-                      </a:r>
-                    </a:p>
-                  </a:txBody>
-                  <a:tcPr marL="95692" marR="95692" marT="47846" marB="47846"/>
-                </a:tc>
-                <a:extLst>
-                  <a:ext uri="{0D108BD9-81ED-4DB2-BD59-A6C34878D82A}">
-                    <a16:rowId xmlns:a16="http://schemas.microsoft.com/office/drawing/2014/main" val="3600498629"/>
-                  </a:ext>
-                </a:extLst>
-              </a:tr>
-              <a:tr h="606047">
-                <a:tc>
-                  <a:txBody>
-                    <a:bodyPr/>
-                    <a:lstStyle/>
-                    <a:p>
-                      <a:pPr latinLnBrk="1"/>
-                      <a:r>
-                        <a:rPr lang="ko-KR" altLang="en-US" sz="1700" dirty="0"/>
-                        <a:t>적 </a:t>
-                      </a:r>
-                      <a:r>
-                        <a:rPr lang="en-US" altLang="ko-KR" sz="1700" dirty="0"/>
-                        <a:t>AI</a:t>
-                      </a:r>
-                      <a:endParaRPr lang="ko-KR" altLang="en-US" sz="1700" dirty="0"/>
-                    </a:p>
-                  </a:txBody>
-                  <a:tcPr marL="95692" marR="95692" marT="47846" marB="47846"/>
-                </a:tc>
-                <a:tc>
-                  <a:txBody>
-                    <a:bodyPr/>
-                    <a:lstStyle/>
-                    <a:p>
-                      <a:pPr latinLnBrk="1"/>
-                      <a:r>
-                        <a:rPr lang="ko-KR" altLang="en-US" sz="1700" dirty="0"/>
-                        <a:t>특정 </a:t>
-                      </a:r>
-                      <a:r>
-                        <a:rPr lang="ko-KR" altLang="en-US" sz="1700" dirty="0" err="1"/>
-                        <a:t>지형물</a:t>
-                      </a:r>
-                      <a:r>
-                        <a:rPr lang="ko-KR" altLang="en-US" sz="1700" dirty="0"/>
-                        <a:t> 위에서 좌우로만 움직임</a:t>
-                      </a:r>
-                    </a:p>
-                  </a:txBody>
-                  <a:tcPr marL="95692" marR="95692" marT="47846" marB="47846"/>
-                </a:tc>
-                <a:tc>
-                  <a:txBody>
-                    <a:bodyPr/>
-                    <a:lstStyle/>
-                    <a:p>
-                      <a:pPr latinLnBrk="1"/>
-                      <a:r>
-                        <a:rPr lang="ko-KR" altLang="en-US" sz="1700" dirty="0"/>
-                        <a:t>주인공을 </a:t>
-                      </a:r>
-                      <a:r>
-                        <a:rPr lang="ko-KR" altLang="en-US" sz="1700" dirty="0" err="1"/>
-                        <a:t>발견시</a:t>
-                      </a:r>
-                      <a:r>
-                        <a:rPr lang="ko-KR" altLang="en-US" sz="1700" dirty="0"/>
-                        <a:t> 주인공 방향으로 빠르게 이동</a:t>
-                      </a:r>
-                    </a:p>
-                  </a:txBody>
-                  <a:tcPr marL="95692" marR="95692" marT="47846" marB="47846"/>
-                </a:tc>
-                <a:extLst>
-                  <a:ext uri="{0D108BD9-81ED-4DB2-BD59-A6C34878D82A}">
-                    <a16:rowId xmlns:a16="http://schemas.microsoft.com/office/drawing/2014/main" val="2830012009"/>
-                  </a:ext>
-                </a:extLst>
-              </a:tr>
-              <a:tr h="606047">
-                <a:tc>
-                  <a:txBody>
-                    <a:bodyPr/>
-                    <a:lstStyle/>
-                    <a:p>
-                      <a:pPr latinLnBrk="1"/>
-                      <a:r>
-                        <a:rPr lang="ko-KR" altLang="en-US" sz="1700" dirty="0"/>
-                        <a:t>난이도</a:t>
-                      </a:r>
-                    </a:p>
-                  </a:txBody>
-                  <a:tcPr marL="95692" marR="95692" marT="47846" marB="47846"/>
-                </a:tc>
-                <a:tc>
-                  <a:txBody>
-                    <a:bodyPr/>
-                    <a:lstStyle/>
-                    <a:p>
-                      <a:pPr latinLnBrk="1"/>
-                      <a:r>
-                        <a:rPr lang="ko-KR" altLang="en-US" sz="1700" dirty="0">
-                          <a:solidFill>
-                            <a:srgbClr val="FF0000"/>
-                          </a:solidFill>
-                        </a:rPr>
-                        <a:t>난이도 </a:t>
-                      </a:r>
-                      <a:r>
-                        <a:rPr lang="ko-KR" altLang="en-US" sz="1700" dirty="0" err="1">
-                          <a:solidFill>
-                            <a:srgbClr val="FF0000"/>
-                          </a:solidFill>
-                        </a:rPr>
-                        <a:t>증가시</a:t>
-                      </a:r>
-                      <a:r>
-                        <a:rPr lang="ko-KR" altLang="en-US" sz="1700" dirty="0">
-                          <a:solidFill>
-                            <a:srgbClr val="FF0000"/>
-                          </a:solidFill>
-                        </a:rPr>
-                        <a:t> 적의 속도가 대폭 상승 삭제</a:t>
-                      </a:r>
-                      <a:endParaRPr lang="en-US" altLang="ko-KR" sz="1700" dirty="0">
-                        <a:solidFill>
-                          <a:srgbClr val="FF0000"/>
-                        </a:solidFill>
-                      </a:endParaRPr>
-                    </a:p>
-                    <a:p>
-                      <a:pPr latinLnBrk="1"/>
-                      <a:r>
-                        <a:rPr lang="ko-KR" altLang="en-US" sz="1700" dirty="0">
-                          <a:solidFill>
-                            <a:srgbClr val="3333FF"/>
-                          </a:solidFill>
-                        </a:rPr>
-                        <a:t>난이도 </a:t>
-                      </a:r>
-                      <a:r>
-                        <a:rPr lang="ko-KR" altLang="en-US" sz="1700" dirty="0" err="1">
-                          <a:solidFill>
-                            <a:srgbClr val="3333FF"/>
-                          </a:solidFill>
-                        </a:rPr>
-                        <a:t>증가시</a:t>
-                      </a:r>
-                      <a:r>
-                        <a:rPr lang="ko-KR" altLang="en-US" sz="1700" dirty="0">
-                          <a:solidFill>
-                            <a:srgbClr val="3333FF"/>
-                          </a:solidFill>
-                        </a:rPr>
-                        <a:t> 점프를 이용해 스테이지 클리어</a:t>
-                      </a:r>
-                    </a:p>
-                  </a:txBody>
-                  <a:tcPr marL="95692" marR="95692" marT="47846" marB="47846"/>
-                </a:tc>
-                <a:tc>
-                  <a:txBody>
-                    <a:bodyPr/>
-                    <a:lstStyle/>
-                    <a:p>
-                      <a:pPr latinLnBrk="1"/>
-                      <a:r>
-                        <a:rPr lang="ko-KR" altLang="en-US" sz="1700" dirty="0">
-                          <a:solidFill>
-                            <a:srgbClr val="FF0000"/>
-                          </a:solidFill>
-                        </a:rPr>
-                        <a:t>난이도 </a:t>
-                      </a:r>
-                      <a:r>
-                        <a:rPr lang="ko-KR" altLang="en-US" sz="1700" dirty="0" err="1">
-                          <a:solidFill>
-                            <a:srgbClr val="FF0000"/>
-                          </a:solidFill>
-                        </a:rPr>
-                        <a:t>증가시</a:t>
-                      </a:r>
-                      <a:r>
-                        <a:rPr lang="ko-KR" altLang="en-US" sz="1700" dirty="0">
-                          <a:solidFill>
-                            <a:srgbClr val="FF0000"/>
-                          </a:solidFill>
-                        </a:rPr>
-                        <a:t> 주인공에게 원거리 공격을 하는 적 추가 삭제</a:t>
-                      </a:r>
-                      <a:endParaRPr lang="en-US" altLang="ko-KR" sz="1700" dirty="0">
-                        <a:solidFill>
-                          <a:srgbClr val="FF0000"/>
-                        </a:solidFill>
-                      </a:endParaRPr>
-                    </a:p>
                     <a:p>
                       <a:pPr marL="0" marR="0" lvl="0" indent="0" algn="l" defTabSz="914400" rtl="0" eaLnBrk="1" fontAlgn="auto" latinLnBrk="1" hangingPunct="1">
                         <a:lnSpc>
@@ -8582,27 +8234,565 @@
                       <a:r>
                         <a:rPr lang="ko-KR" altLang="en-US" sz="1700" dirty="0">
                           <a:solidFill>
-                            <a:srgbClr val="3333FF"/>
+                            <a:schemeClr val="tx1"/>
                           </a:solidFill>
                         </a:rPr>
-                        <a:t>난이도 </a:t>
-                      </a:r>
-                      <a:r>
-                        <a:rPr lang="ko-KR" altLang="en-US" sz="1700" dirty="0" err="1">
+                        <a:t> </a:t>
+                      </a:r>
+                      <a:r>
+                        <a:rPr lang="en-US" altLang="ko-KR" sz="1700" dirty="0">
+                          <a:solidFill>
+                            <a:schemeClr val="tx1"/>
+                          </a:solidFill>
+                        </a:rPr>
+                        <a:t>‘c’</a:t>
+                      </a:r>
+                      <a:r>
+                        <a:rPr lang="ko-KR" altLang="en-US" sz="1700" dirty="0">
+                          <a:solidFill>
+                            <a:schemeClr val="tx1"/>
+                          </a:solidFill>
+                        </a:rPr>
+                        <a:t>키를 이용한 공격 </a:t>
+                      </a:r>
+                      <a:r>
+                        <a:rPr lang="en-US" altLang="ko-KR" sz="1700" dirty="0">
+                          <a:solidFill>
+                            <a:schemeClr val="tx1"/>
+                          </a:solidFill>
+                        </a:rPr>
+                        <a:t>/ </a:t>
+                      </a:r>
+                      <a:r>
+                        <a:rPr lang="ko-KR" altLang="en-US" sz="1700" dirty="0">
+                          <a:solidFill>
+                            <a:schemeClr val="tx1"/>
+                          </a:solidFill>
+                        </a:rPr>
+                        <a:t>아이템을 획득하면 원거리 공격</a:t>
+                      </a:r>
+                    </a:p>
+                  </a:txBody>
+                  <a:tcPr marL="95692" marR="95692" marT="47846" marB="47846"/>
+                </a:tc>
+                <a:tc>
+                  <a:txBody>
+                    <a:bodyPr/>
+                    <a:lstStyle/>
+                    <a:p>
+                      <a:pPr latinLnBrk="1"/>
+                      <a:r>
+                        <a:rPr lang="ko-KR" altLang="en-US" sz="1600" dirty="0">
+                          <a:solidFill>
+                            <a:schemeClr val="tx1"/>
+                          </a:solidFill>
+                        </a:rPr>
+                        <a:t>아이템을 통한 공격</a:t>
+                      </a:r>
+                    </a:p>
+                  </a:txBody>
+                  <a:tcPr marL="95692" marR="95692" marT="47846" marB="47846"/>
+                </a:tc>
+                <a:tc>
+                  <a:txBody>
+                    <a:bodyPr/>
+                    <a:lstStyle/>
+                    <a:p>
+                      <a:pPr latinLnBrk="1"/>
+                      <a:r>
+                        <a:rPr lang="en-US" altLang="ko-KR" sz="1700" dirty="0">
                           <a:solidFill>
                             <a:srgbClr val="3333FF"/>
                           </a:solidFill>
                         </a:rPr>
-                        <a:t>증가시</a:t>
-                      </a:r>
+                        <a:t>100%</a:t>
+                      </a:r>
+                      <a:endParaRPr lang="ko-KR" altLang="en-US" sz="1700" dirty="0"/>
+                    </a:p>
+                  </a:txBody>
+                  <a:tcPr marL="95692" marR="95692" marT="47846" marB="47846"/>
+                </a:tc>
+                <a:extLst>
+                  <a:ext uri="{0D108BD9-81ED-4DB2-BD59-A6C34878D82A}">
+                    <a16:rowId xmlns:a16="http://schemas.microsoft.com/office/drawing/2014/main" val="1497989340"/>
+                  </a:ext>
+                </a:extLst>
+              </a:tr>
+              <a:tr h="606047">
+                <a:tc>
+                  <a:txBody>
+                    <a:bodyPr/>
+                    <a:lstStyle/>
+                    <a:p>
+                      <a:pPr latinLnBrk="1"/>
+                      <a:r>
+                        <a:rPr lang="ko-KR" altLang="en-US" sz="1700" dirty="0"/>
+                        <a:t>맵</a:t>
+                      </a:r>
+                      <a:r>
+                        <a:rPr lang="en-US" altLang="ko-KR" sz="1700" dirty="0"/>
+                        <a:t>, </a:t>
+                      </a:r>
+                      <a:r>
+                        <a:rPr lang="ko-KR" altLang="en-US" sz="1700" dirty="0"/>
+                        <a:t>스테이지</a:t>
+                      </a:r>
+                    </a:p>
+                  </a:txBody>
+                  <a:tcPr marL="95692" marR="95692" marT="47846" marB="47846"/>
+                </a:tc>
+                <a:tc>
+                  <a:txBody>
+                    <a:bodyPr/>
+                    <a:lstStyle/>
+                    <a:p>
+                      <a:pPr latinLnBrk="1"/>
                       <a:r>
                         <a:rPr lang="ko-KR" altLang="en-US" sz="1700" dirty="0">
+                          <a:solidFill>
+                            <a:schemeClr val="tx1"/>
+                          </a:solidFill>
+                        </a:rPr>
+                        <a:t>스테이지 </a:t>
+                      </a:r>
+                      <a:r>
+                        <a:rPr lang="en-US" altLang="ko-KR" sz="1700" dirty="0">
+                          <a:solidFill>
+                            <a:schemeClr val="tx1"/>
+                          </a:solidFill>
+                        </a:rPr>
+                        <a:t>2</a:t>
+                      </a:r>
+                      <a:r>
+                        <a:rPr lang="ko-KR" altLang="en-US" sz="1700" dirty="0">
+                          <a:solidFill>
+                            <a:schemeClr val="tx1"/>
+                          </a:solidFill>
+                        </a:rPr>
+                        <a:t>개 </a:t>
+                      </a:r>
+                      <a:endParaRPr lang="en-US" altLang="ko-KR" sz="1700" dirty="0">
+                        <a:solidFill>
+                          <a:schemeClr val="tx1"/>
+                        </a:solidFill>
+                      </a:endParaRPr>
+                    </a:p>
+                    <a:p>
+                      <a:pPr latinLnBrk="1"/>
+                      <a:r>
+                        <a:rPr lang="ko-KR" altLang="en-US" sz="1700" dirty="0">
+                          <a:solidFill>
+                            <a:schemeClr val="tx1"/>
+                          </a:solidFill>
+                        </a:rPr>
+                        <a:t>난이도를 대폭 올린 스테이지 </a:t>
+                      </a:r>
+                      <a:r>
+                        <a:rPr lang="en-US" altLang="ko-KR" sz="1700" dirty="0">
+                          <a:solidFill>
+                            <a:schemeClr val="tx1"/>
+                          </a:solidFill>
+                        </a:rPr>
+                        <a:t>2 </a:t>
+                      </a:r>
+                      <a:r>
+                        <a:rPr lang="ko-KR" altLang="en-US" sz="1700" dirty="0">
+                          <a:solidFill>
+                            <a:schemeClr val="tx1"/>
+                          </a:solidFill>
+                        </a:rPr>
+                        <a:t>추가</a:t>
+                      </a:r>
+                    </a:p>
+                  </a:txBody>
+                  <a:tcPr marL="95692" marR="95692" marT="47846" marB="47846"/>
+                </a:tc>
+                <a:tc>
+                  <a:txBody>
+                    <a:bodyPr/>
+                    <a:lstStyle/>
+                    <a:p>
+                      <a:pPr latinLnBrk="1"/>
+                      <a:r>
+                        <a:rPr lang="ko-KR" altLang="en-US" sz="1600" dirty="0">
+                          <a:solidFill>
+                            <a:schemeClr val="tx1"/>
+                          </a:solidFill>
+                        </a:rPr>
+                        <a:t>스테이지 </a:t>
+                      </a:r>
+                      <a:r>
+                        <a:rPr lang="en-US" altLang="ko-KR" sz="1600" dirty="0">
+                          <a:solidFill>
+                            <a:schemeClr val="tx1"/>
+                          </a:solidFill>
+                        </a:rPr>
+                        <a:t>2</a:t>
+                      </a:r>
+                      <a:r>
+                        <a:rPr lang="ko-KR" altLang="en-US" sz="1600" dirty="0">
+                          <a:solidFill>
+                            <a:schemeClr val="tx1"/>
+                          </a:solidFill>
+                        </a:rPr>
+                        <a:t>개 구현</a:t>
+                      </a:r>
+                    </a:p>
+                  </a:txBody>
+                  <a:tcPr marL="95692" marR="95692" marT="47846" marB="47846"/>
+                </a:tc>
+                <a:tc>
+                  <a:txBody>
+                    <a:bodyPr/>
+                    <a:lstStyle/>
+                    <a:p>
+                      <a:pPr latinLnBrk="1"/>
+                      <a:r>
+                        <a:rPr lang="en-US" altLang="ko-KR" sz="1700" dirty="0">
                           <a:solidFill>
                             <a:srgbClr val="3333FF"/>
                           </a:solidFill>
                         </a:rPr>
+                        <a:t>100%</a:t>
+                      </a:r>
+                      <a:endParaRPr lang="ko-KR" altLang="en-US" sz="1700" dirty="0">
+                        <a:solidFill>
+                          <a:srgbClr val="3333FF"/>
+                        </a:solidFill>
+                      </a:endParaRPr>
+                    </a:p>
+                  </a:txBody>
+                  <a:tcPr marL="95692" marR="95692" marT="47846" marB="47846"/>
+                </a:tc>
+                <a:extLst>
+                  <a:ext uri="{0D108BD9-81ED-4DB2-BD59-A6C34878D82A}">
+                    <a16:rowId xmlns:a16="http://schemas.microsoft.com/office/drawing/2014/main" val="3600498629"/>
+                  </a:ext>
+                </a:extLst>
+              </a:tr>
+              <a:tr h="606047">
+                <a:tc>
+                  <a:txBody>
+                    <a:bodyPr/>
+                    <a:lstStyle/>
+                    <a:p>
+                      <a:pPr latinLnBrk="1"/>
+                      <a:r>
+                        <a:rPr lang="ko-KR" altLang="en-US" sz="1700" dirty="0"/>
+                        <a:t>적 </a:t>
+                      </a:r>
+                      <a:r>
+                        <a:rPr lang="en-US" altLang="ko-KR" sz="1700" dirty="0"/>
+                        <a:t>AI</a:t>
+                      </a:r>
+                      <a:endParaRPr lang="ko-KR" altLang="en-US" sz="1700" dirty="0"/>
+                    </a:p>
+                  </a:txBody>
+                  <a:tcPr marL="95692" marR="95692" marT="47846" marB="47846"/>
+                </a:tc>
+                <a:tc>
+                  <a:txBody>
+                    <a:bodyPr/>
+                    <a:lstStyle/>
+                    <a:p>
+                      <a:pPr latinLnBrk="1"/>
+                      <a:r>
+                        <a:rPr lang="ko-KR" altLang="en-US" sz="1700" dirty="0">
+                          <a:solidFill>
+                            <a:schemeClr val="tx1"/>
+                          </a:solidFill>
+                        </a:rPr>
+                        <a:t>특정 </a:t>
+                      </a:r>
+                      <a:r>
+                        <a:rPr lang="ko-KR" altLang="en-US" sz="1700" dirty="0" err="1">
+                          <a:solidFill>
+                            <a:schemeClr val="tx1"/>
+                          </a:solidFill>
+                        </a:rPr>
+                        <a:t>지형물</a:t>
+                      </a:r>
+                      <a:r>
+                        <a:rPr lang="ko-KR" altLang="en-US" sz="1700" dirty="0">
+                          <a:solidFill>
+                            <a:schemeClr val="tx1"/>
+                          </a:solidFill>
+                        </a:rPr>
+                        <a:t> 위에서 좌우로만 움직임</a:t>
+                      </a:r>
+                      <a:endParaRPr lang="en-US" altLang="ko-KR" sz="1700" dirty="0">
+                        <a:solidFill>
+                          <a:schemeClr val="tx1"/>
+                        </a:solidFill>
+                      </a:endParaRPr>
+                    </a:p>
+                    <a:p>
+                      <a:pPr marL="0" marR="0" lvl="0" indent="0" algn="l" defTabSz="914400" rtl="0" eaLnBrk="1" fontAlgn="auto" latinLnBrk="1" hangingPunct="1">
+                        <a:lnSpc>
+                          <a:spcPct val="100000"/>
+                        </a:lnSpc>
+                        <a:spcBef>
+                          <a:spcPts val="0"/>
+                        </a:spcBef>
+                        <a:spcAft>
+                          <a:spcPts val="0"/>
+                        </a:spcAft>
+                        <a:buClrTx/>
+                        <a:buSzTx/>
+                        <a:buFontTx/>
+                        <a:buNone/>
+                        <a:tabLst/>
+                        <a:defRPr/>
+                      </a:pPr>
+                      <a:r>
+                        <a:rPr lang="ko-KR" altLang="en-US" sz="1700" dirty="0">
+                          <a:solidFill>
+                            <a:schemeClr val="tx1"/>
+                          </a:solidFill>
+                        </a:rPr>
+                        <a:t>주인공을 </a:t>
+                      </a:r>
+                      <a:r>
+                        <a:rPr lang="ko-KR" altLang="en-US" sz="1700" dirty="0" err="1">
+                          <a:solidFill>
+                            <a:schemeClr val="tx1"/>
+                          </a:solidFill>
+                        </a:rPr>
+                        <a:t>발견시</a:t>
+                      </a:r>
+                      <a:r>
+                        <a:rPr lang="ko-KR" altLang="en-US" sz="1700" dirty="0">
+                          <a:solidFill>
+                            <a:schemeClr val="tx1"/>
+                          </a:solidFill>
+                        </a:rPr>
+                        <a:t> 주인공 방향으로 빠르게 이동</a:t>
+                      </a:r>
+                    </a:p>
+                  </a:txBody>
+                  <a:tcPr marL="95692" marR="95692" marT="47846" marB="47846"/>
+                </a:tc>
+                <a:tc>
+                  <a:txBody>
+                    <a:bodyPr/>
+                    <a:lstStyle/>
+                    <a:p>
+                      <a:pPr latinLnBrk="1"/>
+                      <a:r>
+                        <a:rPr lang="ko-KR" altLang="en-US" sz="1600" dirty="0">
+                          <a:solidFill>
+                            <a:schemeClr val="tx1"/>
+                          </a:solidFill>
+                        </a:rPr>
+                        <a:t>주인공 </a:t>
+                      </a:r>
+                      <a:r>
+                        <a:rPr lang="ko-KR" altLang="en-US" sz="1600" dirty="0" err="1">
+                          <a:solidFill>
+                            <a:schemeClr val="tx1"/>
+                          </a:solidFill>
+                        </a:rPr>
+                        <a:t>발견시</a:t>
+                      </a:r>
+                      <a:r>
+                        <a:rPr lang="ko-KR" altLang="en-US" sz="1600" dirty="0">
+                          <a:solidFill>
+                            <a:schemeClr val="tx1"/>
+                          </a:solidFill>
+                        </a:rPr>
+                        <a:t> 주인공 방향으로 빠르게 이동 구현 못함</a:t>
+                      </a:r>
+                    </a:p>
+                  </a:txBody>
+                  <a:tcPr marL="95692" marR="95692" marT="47846" marB="47846"/>
+                </a:tc>
+                <a:tc>
+                  <a:txBody>
+                    <a:bodyPr/>
+                    <a:lstStyle/>
+                    <a:p>
+                      <a:pPr latinLnBrk="1"/>
+                      <a:r>
+                        <a:rPr lang="en-US" altLang="ko-KR" sz="1700" dirty="0"/>
+                        <a:t>50%</a:t>
+                      </a:r>
+                      <a:endParaRPr lang="ko-KR" altLang="en-US" sz="1700" dirty="0"/>
+                    </a:p>
+                  </a:txBody>
+                  <a:tcPr marL="95692" marR="95692" marT="47846" marB="47846"/>
+                </a:tc>
+                <a:extLst>
+                  <a:ext uri="{0D108BD9-81ED-4DB2-BD59-A6C34878D82A}">
+                    <a16:rowId xmlns:a16="http://schemas.microsoft.com/office/drawing/2014/main" val="2830012009"/>
+                  </a:ext>
+                </a:extLst>
+              </a:tr>
+              <a:tr h="606047">
+                <a:tc>
+                  <a:txBody>
+                    <a:bodyPr/>
+                    <a:lstStyle/>
+                    <a:p>
+                      <a:pPr latinLnBrk="1"/>
+                      <a:r>
+                        <a:rPr lang="ko-KR" altLang="en-US" sz="1700" dirty="0"/>
+                        <a:t>난이도</a:t>
+                      </a:r>
+                    </a:p>
+                  </a:txBody>
+                  <a:tcPr marL="95692" marR="95692" marT="47846" marB="47846"/>
+                </a:tc>
+                <a:tc>
+                  <a:txBody>
+                    <a:bodyPr/>
+                    <a:lstStyle/>
+                    <a:p>
+                      <a:pPr latinLnBrk="1"/>
+                      <a:r>
+                        <a:rPr lang="ko-KR" altLang="en-US" sz="1700" dirty="0">
+                          <a:solidFill>
+                            <a:schemeClr val="tx1"/>
+                          </a:solidFill>
+                        </a:rPr>
+                        <a:t>난이도 </a:t>
+                      </a:r>
+                      <a:r>
+                        <a:rPr lang="ko-KR" altLang="en-US" sz="1700" dirty="0" err="1">
+                          <a:solidFill>
+                            <a:schemeClr val="tx1"/>
+                          </a:solidFill>
+                        </a:rPr>
+                        <a:t>증가시</a:t>
+                      </a:r>
+                      <a:r>
+                        <a:rPr lang="ko-KR" altLang="en-US" sz="1700" dirty="0">
+                          <a:solidFill>
+                            <a:schemeClr val="tx1"/>
+                          </a:solidFill>
+                        </a:rPr>
+                        <a:t> 점프를 이용해 스테이지 클리어</a:t>
+                      </a:r>
+                      <a:endParaRPr lang="en-US" altLang="ko-KR" sz="1700" dirty="0">
+                        <a:solidFill>
+                          <a:schemeClr val="tx1"/>
+                        </a:solidFill>
+                      </a:endParaRPr>
+                    </a:p>
+                    <a:p>
+                      <a:pPr marL="0" marR="0" lvl="0" indent="0" algn="l" defTabSz="914400" rtl="0" eaLnBrk="1" fontAlgn="auto" latinLnBrk="1" hangingPunct="1">
+                        <a:lnSpc>
+                          <a:spcPct val="100000"/>
+                        </a:lnSpc>
+                        <a:spcBef>
+                          <a:spcPts val="0"/>
+                        </a:spcBef>
+                        <a:spcAft>
+                          <a:spcPts val="0"/>
+                        </a:spcAft>
+                        <a:buClrTx/>
+                        <a:buSzTx/>
+                        <a:buFontTx/>
+                        <a:buNone/>
+                        <a:tabLst/>
+                        <a:defRPr/>
+                      </a:pPr>
+                      <a:r>
+                        <a:rPr lang="ko-KR" altLang="en-US" sz="1700" dirty="0">
+                          <a:solidFill>
+                            <a:schemeClr val="tx1"/>
+                          </a:solidFill>
+                        </a:rPr>
+                        <a:t>난이도 </a:t>
+                      </a:r>
+                      <a:r>
+                        <a:rPr lang="ko-KR" altLang="en-US" sz="1700" dirty="0" err="1">
+                          <a:solidFill>
+                            <a:schemeClr val="tx1"/>
+                          </a:solidFill>
+                        </a:rPr>
+                        <a:t>증가시</a:t>
+                      </a:r>
+                      <a:r>
+                        <a:rPr lang="ko-KR" altLang="en-US" sz="1700" dirty="0">
+                          <a:solidFill>
+                            <a:schemeClr val="tx1"/>
+                          </a:solidFill>
+                        </a:rPr>
                         <a:t> 공중 적 추가</a:t>
                       </a:r>
+                    </a:p>
+                  </a:txBody>
+                  <a:tcPr marL="95692" marR="95692" marT="47846" marB="47846"/>
+                </a:tc>
+                <a:tc>
+                  <a:txBody>
+                    <a:bodyPr/>
+                    <a:lstStyle/>
+                    <a:p>
+                      <a:pPr marL="0" marR="0" lvl="0" indent="0" algn="l" defTabSz="914400" rtl="0" eaLnBrk="1" fontAlgn="auto" latinLnBrk="1" hangingPunct="1">
+                        <a:lnSpc>
+                          <a:spcPct val="100000"/>
+                        </a:lnSpc>
+                        <a:spcBef>
+                          <a:spcPts val="0"/>
+                        </a:spcBef>
+                        <a:spcAft>
+                          <a:spcPts val="0"/>
+                        </a:spcAft>
+                        <a:buClrTx/>
+                        <a:buSzTx/>
+                        <a:buFontTx/>
+                        <a:buNone/>
+                        <a:tabLst/>
+                        <a:defRPr/>
+                      </a:pPr>
+                      <a:r>
+                        <a:rPr lang="ko-KR" altLang="en-US" sz="1600" dirty="0">
+                          <a:solidFill>
+                            <a:schemeClr val="tx1"/>
+                          </a:solidFill>
+                        </a:rPr>
+                        <a:t>난이도 증가에 따른 오브젝트 구현 완료</a:t>
+                      </a:r>
+                    </a:p>
+                  </a:txBody>
+                  <a:tcPr marL="95692" marR="95692" marT="47846" marB="47846"/>
+                </a:tc>
+                <a:tc>
+                  <a:txBody>
+                    <a:bodyPr/>
+                    <a:lstStyle/>
+                    <a:p>
+                      <a:pPr marL="0" marR="0" lvl="0" indent="0" algn="l" defTabSz="914400" rtl="0" eaLnBrk="1" fontAlgn="auto" latinLnBrk="1" hangingPunct="1">
+                        <a:lnSpc>
+                          <a:spcPct val="100000"/>
+                        </a:lnSpc>
+                        <a:spcBef>
+                          <a:spcPts val="0"/>
+                        </a:spcBef>
+                        <a:spcAft>
+                          <a:spcPts val="0"/>
+                        </a:spcAft>
+                        <a:buClrTx/>
+                        <a:buSzTx/>
+                        <a:buFontTx/>
+                        <a:buNone/>
+                        <a:tabLst/>
+                        <a:defRPr/>
+                      </a:pPr>
+                      <a:r>
+                        <a:rPr lang="en-US" altLang="ko-KR" sz="1700" dirty="0">
+                          <a:solidFill>
+                            <a:srgbClr val="3333FF"/>
+                          </a:solidFill>
+                        </a:rPr>
+                        <a:t>100%</a:t>
+                      </a:r>
+                      <a:endParaRPr lang="ko-KR" altLang="en-US" sz="1700" dirty="0">
+                        <a:solidFill>
+                          <a:srgbClr val="3333FF"/>
+                        </a:solidFill>
+                      </a:endParaRPr>
                     </a:p>
                   </a:txBody>
                   <a:tcPr marL="95692" marR="95692" marT="47846" marB="47846"/>
@@ -8635,25 +8825,57 @@
                     <a:p>
                       <a:pPr latinLnBrk="1"/>
                       <a:r>
-                        <a:rPr lang="ko-KR" altLang="en-US" sz="1700" dirty="0"/>
+                        <a:rPr lang="ko-KR" altLang="en-US" sz="1700" dirty="0">
+                          <a:solidFill>
+                            <a:schemeClr val="tx1"/>
+                          </a:solidFill>
+                        </a:rPr>
                         <a:t>원거리 공격을 할 수 있는 아이템 </a:t>
                       </a:r>
                       <a:r>
-                        <a:rPr lang="en-US" altLang="ko-KR" sz="1700" dirty="0"/>
+                        <a:rPr lang="en-US" altLang="ko-KR" sz="1700" dirty="0">
+                          <a:solidFill>
+                            <a:schemeClr val="tx1"/>
+                          </a:solidFill>
+                        </a:rPr>
                         <a:t>1</a:t>
                       </a:r>
                       <a:r>
-                        <a:rPr lang="ko-KR" altLang="en-US" sz="1700" dirty="0"/>
+                        <a:rPr lang="ko-KR" altLang="en-US" sz="1700" dirty="0">
+                          <a:solidFill>
+                            <a:schemeClr val="tx1"/>
+                          </a:solidFill>
+                        </a:rPr>
                         <a:t>개 존재 </a:t>
                       </a:r>
                       <a:r>
-                        <a:rPr lang="en-US" altLang="ko-KR" sz="1700" dirty="0"/>
+                        <a:rPr lang="en-US" altLang="ko-KR" sz="1700" dirty="0">
+                          <a:solidFill>
+                            <a:schemeClr val="tx1"/>
+                          </a:solidFill>
+                        </a:rPr>
+                        <a:t>/ </a:t>
+                      </a:r>
+                      <a:r>
+                        <a:rPr lang="ko-KR" altLang="en-US" sz="1700" dirty="0">
+                          <a:solidFill>
+                            <a:schemeClr val="tx1"/>
+                          </a:solidFill>
+                        </a:rPr>
+                        <a:t>공격 키로 적 제거 가능 </a:t>
+                      </a:r>
+                      <a:r>
+                        <a:rPr lang="en-US" altLang="ko-KR" sz="1700" dirty="0">
+                          <a:solidFill>
+                            <a:schemeClr val="tx1"/>
+                          </a:solidFill>
+                        </a:rPr>
                         <a:t>/ </a:t>
                       </a:r>
                       <a:r>
                         <a:rPr lang="ko-KR" altLang="en-US" sz="1700" dirty="0" err="1">
                           <a:solidFill>
-                            <a:srgbClr val="FF0000"/>
+                            <a:schemeClr val="tx1"/>
                           </a:solidFill>
                         </a:rPr>
                         <a:t>피격시</a:t>
@@ -8661,149 +8883,81 @@
                       <a:r>
                         <a:rPr lang="ko-KR" altLang="en-US" sz="1700" dirty="0">
                           <a:solidFill>
-                            <a:srgbClr val="FF0000"/>
-                          </a:solidFill>
-                        </a:rPr>
-                        <a:t> 아이템 효과가 사라짐  삭제 </a:t>
-                      </a:r>
-                      <a:r>
-                        <a:rPr lang="en-US" altLang="ko-KR" sz="1700" dirty="0"/>
-                        <a:t>/ </a:t>
-                      </a:r>
-                      <a:r>
-                        <a:rPr lang="ko-KR" altLang="en-US" sz="1700" dirty="0">
-                          <a:solidFill>
-                            <a:srgbClr val="FF0000"/>
-                          </a:solidFill>
-                        </a:rPr>
-                        <a:t>사라질 아이템 효과가 없으면 사망 </a:t>
-                      </a:r>
-                      <a:r>
-                        <a:rPr lang="en-US" altLang="ko-KR" sz="1700" dirty="0"/>
-                        <a:t>/ </a:t>
-                      </a:r>
-                      <a:r>
-                        <a:rPr lang="ko-KR" altLang="en-US" sz="1700" dirty="0"/>
-                        <a:t>공격 키로 적 제거 가능 </a:t>
-                      </a:r>
-                      <a:r>
-                        <a:rPr lang="en-US" altLang="ko-KR" sz="1700" dirty="0"/>
-                        <a:t>/ </a:t>
-                      </a:r>
-                      <a:r>
-                        <a:rPr lang="ko-KR" altLang="en-US" sz="1700" dirty="0" err="1">
-                          <a:solidFill>
-                            <a:srgbClr val="3333FF"/>
-                          </a:solidFill>
-                        </a:rPr>
-                        <a:t>피격시</a:t>
-                      </a:r>
-                      <a:r>
-                        <a:rPr lang="ko-KR" altLang="en-US" sz="1700" dirty="0">
-                          <a:solidFill>
-                            <a:srgbClr val="3333FF"/>
+                            <a:schemeClr val="tx1"/>
                           </a:solidFill>
                         </a:rPr>
                         <a:t> 사망 </a:t>
                       </a:r>
+                      <a:r>
+                        <a:rPr lang="en-US" altLang="ko-KR" sz="1700" dirty="0">
+                          <a:solidFill>
+                            <a:schemeClr val="tx1"/>
+                          </a:solidFill>
+                        </a:rPr>
+                        <a:t> / </a:t>
+                      </a:r>
+                      <a:r>
+                        <a:rPr lang="ko-KR" altLang="en-US" sz="1700" dirty="0" err="1">
+                          <a:solidFill>
+                            <a:schemeClr val="tx1"/>
+                          </a:solidFill>
+                        </a:rPr>
+                        <a:t>낭떨어지에서</a:t>
+                      </a:r>
+                      <a:r>
+                        <a:rPr lang="ko-KR" altLang="en-US" sz="1700" dirty="0">
+                          <a:solidFill>
+                            <a:schemeClr val="tx1"/>
+                          </a:solidFill>
+                        </a:rPr>
+                        <a:t> 떨어지면 사망</a:t>
+                      </a:r>
+                    </a:p>
+                  </a:txBody>
+                  <a:tcPr marL="95692" marR="95692" marT="47846" marB="47846"/>
+                </a:tc>
+                <a:tc>
+                  <a:txBody>
+                    <a:bodyPr/>
+                    <a:lstStyle/>
+                    <a:p>
+                      <a:pPr latinLnBrk="1"/>
+                      <a:r>
+                        <a:rPr lang="ko-KR" altLang="en-US" sz="1600" dirty="0">
+                          <a:solidFill>
+                            <a:schemeClr val="tx1"/>
+                          </a:solidFill>
+                        </a:rPr>
+                        <a:t>목표 범위 구현 완료</a:t>
+                      </a:r>
+                      <a:endParaRPr lang="en-US" altLang="ko-KR" sz="1600" dirty="0">
+                        <a:solidFill>
+                          <a:schemeClr val="tx1"/>
+                        </a:solidFill>
+                      </a:endParaRPr>
+                    </a:p>
+                  </a:txBody>
+                  <a:tcPr marL="95692" marR="95692" marT="47846" marB="47846"/>
+                </a:tc>
+                <a:tc>
+                  <a:txBody>
+                    <a:bodyPr/>
+                    <a:lstStyle/>
+                    <a:p>
+                      <a:pPr latinLnBrk="1"/>
                       <a:r>
                         <a:rPr lang="en-US" altLang="ko-KR" sz="1700" dirty="0">
                           <a:solidFill>
                             <a:srgbClr val="3333FF"/>
                           </a:solidFill>
                         </a:rPr>
-                        <a:t> / </a:t>
-                      </a:r>
-                      <a:r>
-                        <a:rPr lang="ko-KR" altLang="en-US" sz="1700" dirty="0" err="1">
-                          <a:solidFill>
-                            <a:srgbClr val="3333FF"/>
-                          </a:solidFill>
-                        </a:rPr>
-                        <a:t>낭떨어지에서</a:t>
-                      </a:r>
-                      <a:r>
-                        <a:rPr lang="ko-KR" altLang="en-US" sz="1700" dirty="0">
-                          <a:solidFill>
-                            <a:srgbClr val="3333FF"/>
-                          </a:solidFill>
-                        </a:rPr>
-                        <a:t> 떨어지면 사망</a:t>
-                      </a:r>
-                    </a:p>
-                  </a:txBody>
-                  <a:tcPr marL="95692" marR="95692" marT="47846" marB="47846"/>
-                </a:tc>
-                <a:tc>
-                  <a:txBody>
-                    <a:bodyPr/>
-                    <a:lstStyle/>
-                    <a:p>
-                      <a:pPr latinLnBrk="1"/>
-                      <a:r>
-                        <a:rPr lang="ko-KR" altLang="en-US" sz="1700" dirty="0">
-                          <a:solidFill>
-                            <a:srgbClr val="FF0000"/>
-                          </a:solidFill>
-                        </a:rPr>
-                        <a:t>체력 바를 추가해 주인공이 원거리 공격을 당할 시 체력 감소 </a:t>
-                      </a:r>
-                      <a:r>
-                        <a:rPr lang="en-US" altLang="ko-KR" sz="1700" dirty="0">
-                          <a:solidFill>
-                            <a:srgbClr val="FF0000"/>
-                          </a:solidFill>
-                        </a:rPr>
-                        <a:t>/ </a:t>
-                      </a:r>
-                      <a:r>
-                        <a:rPr lang="ko-KR" altLang="en-US" sz="1700" dirty="0">
-                          <a:solidFill>
-                            <a:srgbClr val="FF0000"/>
-                          </a:solidFill>
-                        </a:rPr>
-                        <a:t>원거리 공격 아이템 </a:t>
-                      </a:r>
-                      <a:r>
-                        <a:rPr lang="en-US" altLang="ko-KR" sz="1700" dirty="0">
-                          <a:solidFill>
-                            <a:srgbClr val="FF0000"/>
-                          </a:solidFill>
-                        </a:rPr>
-                        <a:t>1</a:t>
-                      </a:r>
-                      <a:r>
-                        <a:rPr lang="ko-KR" altLang="en-US" sz="1700" dirty="0">
-                          <a:solidFill>
-                            <a:srgbClr val="FF0000"/>
-                          </a:solidFill>
-                        </a:rPr>
-                        <a:t>개 추가 삭제 </a:t>
-                      </a:r>
-                      <a:r>
-                        <a:rPr lang="en-US" altLang="ko-KR" sz="1700" dirty="0">
-                          <a:solidFill>
-                            <a:srgbClr val="FF0000"/>
-                          </a:solidFill>
-                        </a:rPr>
-                        <a:t>(</a:t>
-                      </a:r>
-                      <a:r>
-                        <a:rPr lang="ko-KR" altLang="en-US" sz="1700" dirty="0">
-                          <a:solidFill>
-                            <a:srgbClr val="FF0000"/>
-                          </a:solidFill>
-                        </a:rPr>
-                        <a:t>난이도 조정</a:t>
-                      </a:r>
-                      <a:r>
-                        <a:rPr lang="en-US" altLang="ko-KR" sz="1700" dirty="0">
-                          <a:solidFill>
-                            <a:srgbClr val="FF0000"/>
-                          </a:solidFill>
-                        </a:rPr>
-                        <a:t>)</a:t>
-                      </a:r>
+                        <a:t>100%</a:t>
+                      </a:r>
+                      <a:endParaRPr lang="en-US" altLang="ko-KR" sz="1700" dirty="0">
+                        <a:solidFill>
+                          <a:srgbClr val="FF0000"/>
+                        </a:solidFill>
+                      </a:endParaRPr>
                     </a:p>
                   </a:txBody>
                   <a:tcPr marL="95692" marR="95692" marT="47846" marB="47846"/>
@@ -8829,70 +8983,140 @@
                   </a:txBody>
                   <a:tcPr marL="95692" marR="95692" marT="47846" marB="47846"/>
                 </a:tc>
-                <a:tc gridSpan="2">
+                <a:tc>
                   <a:txBody>
                     <a:bodyPr/>
                     <a:lstStyle/>
                     <a:p>
                       <a:pPr latinLnBrk="1"/>
                       <a:r>
-                        <a:rPr lang="ko-KR" altLang="en-US" sz="1700" dirty="0"/>
+                        <a:rPr lang="ko-KR" altLang="en-US" sz="1700" dirty="0">
+                          <a:solidFill>
+                            <a:schemeClr val="tx1"/>
+                          </a:solidFill>
+                        </a:rPr>
                         <a:t>배경 음악 </a:t>
                       </a:r>
                       <a:r>
-                        <a:rPr lang="en-US" altLang="ko-KR" sz="1700" dirty="0"/>
+                        <a:rPr lang="en-US" altLang="ko-KR" sz="1700" dirty="0">
+                          <a:solidFill>
+                            <a:schemeClr val="tx1"/>
+                          </a:solidFill>
+                        </a:rPr>
                         <a:t>/ </a:t>
                       </a:r>
                       <a:r>
-                        <a:rPr lang="ko-KR" altLang="en-US" sz="1700" dirty="0"/>
+                        <a:rPr lang="ko-KR" altLang="en-US" sz="1700" dirty="0">
+                          <a:solidFill>
+                            <a:schemeClr val="tx1"/>
+                          </a:solidFill>
+                        </a:rPr>
                         <a:t>점프 효과음 </a:t>
                       </a:r>
                       <a:r>
-                        <a:rPr lang="en-US" altLang="ko-KR" sz="1700" dirty="0"/>
+                        <a:rPr lang="en-US" altLang="ko-KR" sz="1700" dirty="0">
+                          <a:solidFill>
+                            <a:schemeClr val="tx1"/>
+                          </a:solidFill>
+                        </a:rPr>
                         <a:t>/ </a:t>
                       </a:r>
                       <a:r>
-                        <a:rPr lang="ko-KR" altLang="en-US" sz="1700" dirty="0"/>
+                        <a:rPr lang="ko-KR" altLang="en-US" sz="1700" dirty="0">
+                          <a:solidFill>
+                            <a:schemeClr val="tx1"/>
+                          </a:solidFill>
+                        </a:rPr>
                         <a:t>공격 효과음 </a:t>
                       </a:r>
                       <a:r>
-                        <a:rPr lang="en-US" altLang="ko-KR" sz="1700" dirty="0"/>
+                        <a:rPr lang="en-US" altLang="ko-KR" sz="1700" dirty="0">
+                          <a:solidFill>
+                            <a:schemeClr val="tx1"/>
+                          </a:solidFill>
+                        </a:rPr>
                         <a:t>/ </a:t>
                       </a:r>
                       <a:r>
-                        <a:rPr lang="ko-KR" altLang="en-US" sz="1700" dirty="0"/>
+                        <a:rPr lang="ko-KR" altLang="en-US" sz="1700" dirty="0">
+                          <a:solidFill>
+                            <a:schemeClr val="tx1"/>
+                          </a:solidFill>
+                        </a:rPr>
                         <a:t>아이템 획득 효과음 </a:t>
                       </a:r>
                       <a:r>
-                        <a:rPr lang="en-US" altLang="ko-KR" sz="1700" dirty="0"/>
+                        <a:rPr lang="en-US" altLang="ko-KR" sz="1700" dirty="0">
+                          <a:solidFill>
+                            <a:schemeClr val="tx1"/>
+                          </a:solidFill>
+                        </a:rPr>
                         <a:t>/ </a:t>
                       </a:r>
                       <a:r>
-                        <a:rPr lang="ko-KR" altLang="en-US" sz="1700" dirty="0"/>
+                        <a:rPr lang="ko-KR" altLang="en-US" sz="1700" dirty="0">
+                          <a:solidFill>
+                            <a:schemeClr val="tx1"/>
+                          </a:solidFill>
+                        </a:rPr>
                         <a:t>적 </a:t>
                       </a:r>
                       <a:r>
-                        <a:rPr lang="ko-KR" altLang="en-US" sz="1700" dirty="0" err="1"/>
+                        <a:rPr lang="ko-KR" altLang="en-US" sz="1700" dirty="0" err="1">
+                          <a:solidFill>
+                            <a:schemeClr val="tx1"/>
+                          </a:solidFill>
+                        </a:rPr>
                         <a:t>피격시</a:t>
                       </a:r>
                       <a:r>
-                        <a:rPr lang="ko-KR" altLang="en-US" sz="1700" dirty="0"/>
+                        <a:rPr lang="ko-KR" altLang="en-US" sz="1700" dirty="0">
+                          <a:solidFill>
+                            <a:schemeClr val="tx1"/>
+                          </a:solidFill>
+                        </a:rPr>
                         <a:t> 효과음</a:t>
                       </a:r>
                     </a:p>
                   </a:txBody>
                   <a:tcPr marL="95692" marR="95692" marT="47846" marB="47846"/>
                 </a:tc>
-                <a:tc hMerge="1">
+                <a:tc>
                   <a:txBody>
                     <a:bodyPr/>
                     <a:lstStyle/>
                     <a:p>
                       <a:pPr latinLnBrk="1"/>
+                      <a:r>
+                        <a:rPr lang="ko-KR" altLang="en-US" sz="1600" dirty="0">
+                          <a:solidFill>
+                            <a:schemeClr val="tx1"/>
+                          </a:solidFill>
+                        </a:rPr>
+                        <a:t>목표범위 구현 완료</a:t>
+                      </a:r>
+                    </a:p>
+                  </a:txBody>
+                  <a:tcPr marL="95692" marR="95692" marT="47846" marB="47846"/>
+                </a:tc>
+                <a:tc>
+                  <a:txBody>
+                    <a:bodyPr/>
+                    <a:lstStyle/>
+                    <a:p>
+                      <a:pPr latinLnBrk="1"/>
+                      <a:r>
+                        <a:rPr lang="en-US" altLang="ko-KR" sz="1600" dirty="0">
+                          <a:solidFill>
+                            <a:srgbClr val="3333FF"/>
+                          </a:solidFill>
+                        </a:rPr>
+                        <a:t>100%</a:t>
+                      </a:r>
                       <a:endParaRPr lang="ko-KR" altLang="en-US" sz="1600" dirty="0"/>
                     </a:p>
                   </a:txBody>
-                  <a:tcPr/>
+                  <a:tcPr marL="95692" marR="95692" marT="47846" marB="47846"/>
                 </a:tc>
                 <a:extLst>
                   <a:ext uri="{0D108BD9-81ED-4DB2-BD59-A6C34878D82A}">
@@ -8922,51 +9146,126 @@
                     <a:p>
                       <a:pPr latinLnBrk="1"/>
                       <a:r>
-                        <a:rPr lang="ko-KR" altLang="en-US" sz="1700" dirty="0"/>
-                        <a:t>주인공의 이동 </a:t>
-                      </a:r>
-                      <a:r>
-                        <a:rPr lang="en-US" altLang="ko-KR" sz="1700" dirty="0"/>
-                        <a:t>/</a:t>
-                      </a:r>
-                      <a:r>
-                        <a:rPr lang="ko-KR" altLang="en-US" sz="1700" dirty="0"/>
-                        <a:t>주인공의 공격</a:t>
-                      </a:r>
-                      <a:r>
-                        <a:rPr lang="en-US" altLang="ko-KR" sz="1700" dirty="0"/>
-                        <a:t> /</a:t>
-                      </a:r>
-                      <a:r>
-                        <a:rPr lang="ko-KR" altLang="en-US" sz="1700" dirty="0"/>
-                        <a:t>적 이동</a:t>
-                      </a:r>
-                    </a:p>
-                  </a:txBody>
-                  <a:tcPr marL="95692" marR="95692" marT="47846" marB="47846"/>
-                </a:tc>
-                <a:tc>
-                  <a:txBody>
-                    <a:bodyPr/>
-                    <a:lstStyle/>
-                    <a:p>
-                      <a:pPr latinLnBrk="1"/>
-                      <a:r>
-                        <a:rPr lang="ko-KR" altLang="en-US" sz="1700" dirty="0"/>
-                        <a:t>원거리 공격 모션</a:t>
-                      </a:r>
-                      <a:r>
-                        <a:rPr lang="en-US" altLang="ko-KR" sz="1700" dirty="0"/>
-                        <a:t>, </a:t>
-                      </a:r>
-                      <a:r>
                         <a:rPr lang="ko-KR" altLang="en-US" sz="1700" dirty="0">
                           <a:solidFill>
-                            <a:srgbClr val="FF0000"/>
+                            <a:schemeClr val="tx1"/>
                           </a:solidFill>
                         </a:rPr>
-                        <a:t>적의 원거리 공격 모션 추가 삭제</a:t>
-                      </a:r>
+                        <a:t>주인공의 이동 </a:t>
+                      </a:r>
+                      <a:r>
+                        <a:rPr lang="en-US" altLang="ko-KR" sz="1700" dirty="0">
+                          <a:solidFill>
+                            <a:schemeClr val="tx1"/>
+                          </a:solidFill>
+                        </a:rPr>
+                        <a:t>/</a:t>
+                      </a:r>
+                      <a:r>
+                        <a:rPr lang="ko-KR" altLang="en-US" sz="1700" dirty="0">
+                          <a:solidFill>
+                            <a:schemeClr val="tx1"/>
+                          </a:solidFill>
+                        </a:rPr>
+                        <a:t>주인공의 공격</a:t>
+                      </a:r>
+                      <a:r>
+                        <a:rPr lang="en-US" altLang="ko-KR" sz="1700" dirty="0">
+                          <a:solidFill>
+                            <a:schemeClr val="tx1"/>
+                          </a:solidFill>
+                        </a:rPr>
+                        <a:t> /</a:t>
+                      </a:r>
+                      <a:r>
+                        <a:rPr lang="ko-KR" altLang="en-US" sz="1700" dirty="0">
+                          <a:solidFill>
+                            <a:schemeClr val="tx1"/>
+                          </a:solidFill>
+                        </a:rPr>
+                        <a:t>적 이동 </a:t>
+                      </a:r>
+                      <a:r>
+                        <a:rPr lang="en-US" altLang="ko-KR" sz="1700" dirty="0">
+                          <a:solidFill>
+                            <a:schemeClr val="tx1"/>
+                          </a:solidFill>
+                        </a:rPr>
+                        <a:t>/ </a:t>
+                      </a:r>
+                      <a:r>
+                        <a:rPr lang="ko-KR" altLang="en-US" sz="1700" dirty="0">
+                          <a:solidFill>
+                            <a:schemeClr val="tx1"/>
+                          </a:solidFill>
+                        </a:rPr>
+                        <a:t>원거리 공격 모션</a:t>
+                      </a:r>
+                    </a:p>
+                  </a:txBody>
+                  <a:tcPr marL="95692" marR="95692" marT="47846" marB="47846"/>
+                </a:tc>
+                <a:tc>
+                  <a:txBody>
+                    <a:bodyPr/>
+                    <a:lstStyle/>
+                    <a:p>
+                      <a:pPr marL="0" marR="0" lvl="0" indent="0" algn="l" defTabSz="914400" rtl="0" eaLnBrk="1" fontAlgn="auto" latinLnBrk="1" hangingPunct="1">
+                        <a:lnSpc>
+                          <a:spcPct val="100000"/>
+                        </a:lnSpc>
+                        <a:spcBef>
+                          <a:spcPts val="0"/>
+                        </a:spcBef>
+                        <a:spcAft>
+                          <a:spcPts val="0"/>
+                        </a:spcAft>
+                        <a:buClrTx/>
+                        <a:buSzTx/>
+                        <a:buFontTx/>
+                        <a:buNone/>
+                        <a:tabLst/>
+                        <a:defRPr/>
+                      </a:pPr>
+                      <a:r>
+                        <a:rPr lang="ko-KR" altLang="en-US" sz="1600" dirty="0">
+                          <a:solidFill>
+                            <a:schemeClr val="tx1"/>
+                          </a:solidFill>
+                        </a:rPr>
+                        <a:t>목표범위 구현 완료</a:t>
+                      </a:r>
+                    </a:p>
+                    <a:p>
+                      <a:pPr latinLnBrk="1"/>
+                      <a:endParaRPr lang="ko-KR" altLang="en-US" sz="1600" dirty="0">
+                        <a:solidFill>
+                          <a:schemeClr val="tx1"/>
+                        </a:solidFill>
+                      </a:endParaRPr>
+                    </a:p>
+                  </a:txBody>
+                  <a:tcPr marL="95692" marR="95692" marT="47846" marB="47846"/>
+                </a:tc>
+                <a:tc>
+                  <a:txBody>
+                    <a:bodyPr/>
+                    <a:lstStyle/>
+                    <a:p>
+                      <a:pPr latinLnBrk="1"/>
+                      <a:r>
+                        <a:rPr lang="en-US" altLang="ko-KR" sz="1700">
+                          <a:solidFill>
+                            <a:srgbClr val="3333FF"/>
+                          </a:solidFill>
+                        </a:rPr>
+                        <a:t>100%</a:t>
+                      </a:r>
+                      <a:endParaRPr lang="ko-KR" altLang="en-US" sz="1700" dirty="0">
+                        <a:solidFill>
+                          <a:srgbClr val="FF0000"/>
+                        </a:solidFill>
+                      </a:endParaRPr>
                     </a:p>
                   </a:txBody>
                   <a:tcPr marL="95692" marR="95692" marT="47846" marB="47846"/>
@@ -9040,188 +9339,6 @@
                 <a:ea typeface="a피라미드" panose="02020600000000000000" pitchFamily="18" charset="-127"/>
               </a:rPr>
               <a:t> 통계</a:t>
-            </a:r>
-          </a:p>
-        </p:txBody>
-      </p:sp>
-      <p:sp>
-        <p:nvSpPr>
-          <p:cNvPr id="2" name="직사각형 1">
-            <a:extLst>
-              <a:ext uri="{FF2B5EF4-FFF2-40B4-BE49-F238E27FC236}">
-                <a16:creationId xmlns:a16="http://schemas.microsoft.com/office/drawing/2014/main" id="{38690CAF-797D-4665-83FB-A68C12A6FFCD}"/>
-              </a:ext>
-            </a:extLst>
-          </p:cNvPr>
-          <p:cNvSpPr/>
-          <p:nvPr/>
-        </p:nvSpPr>
-        <p:spPr>
-          <a:xfrm>
-            <a:off x="10109299" y="560271"/>
-            <a:ext cx="177192" cy="177192"/>
-          </a:xfrm>
-          <a:prstGeom prst="rect">
-            <a:avLst/>
-          </a:prstGeom>
-          <a:solidFill>
-            <a:srgbClr val="3333FF"/>
-          </a:solidFill>
-          <a:ln>
-            <a:noFill/>
-          </a:ln>
-        </p:spPr>
-        <p:style>
-          <a:lnRef idx="2">
-            <a:schemeClr val="accent1">
-              <a:shade val="50000"/>
-            </a:schemeClr>
-          </a:lnRef>
-          <a:fillRef idx="1">
-            <a:schemeClr val="accent1"/>
-          </a:fillRef>
-          <a:effectRef idx="0">
-            <a:schemeClr val="accent1"/>
-          </a:effectRef>
-          <a:fontRef idx="minor">
-            <a:schemeClr val="lt1"/>
-          </a:fontRef>
-        </p:style>
-        <p:txBody>
-          <a:bodyPr rtlCol="0" anchor="ctr"/>
-          <a:lstStyle/>
-          <a:p>
-            <a:pPr algn="ctr"/>
-            <a:endParaRPr lang="ko-KR" altLang="en-US" dirty="0"/>
-          </a:p>
-        </p:txBody>
-      </p:sp>
-      <p:sp>
-        <p:nvSpPr>
-          <p:cNvPr id="3" name="TextBox 2">
-            <a:extLst>
-              <a:ext uri="{FF2B5EF4-FFF2-40B4-BE49-F238E27FC236}">
-                <a16:creationId xmlns:a16="http://schemas.microsoft.com/office/drawing/2014/main" id="{4CD04CD4-29DB-4F3A-8DF2-5C43FAE5F468}"/>
-              </a:ext>
-            </a:extLst>
-          </p:cNvPr>
-          <p:cNvSpPr txBox="1"/>
-          <p:nvPr/>
-        </p:nvSpPr>
-        <p:spPr>
-          <a:xfrm>
-            <a:off x="10292684" y="502410"/>
-            <a:ext cx="1196161" cy="369332"/>
-          </a:xfrm>
-          <a:prstGeom prst="rect">
-            <a:avLst/>
-          </a:prstGeom>
-          <a:noFill/>
-        </p:spPr>
-        <p:txBody>
-          <a:bodyPr wrap="none" rtlCol="0">
-            <a:spAutoFit/>
-          </a:bodyPr>
-          <a:lstStyle/>
-          <a:p>
-            <a:r>
-              <a:rPr lang="ko-KR" altLang="en-US" dirty="0">
-                <a:solidFill>
-                  <a:srgbClr val="3333FF"/>
-                </a:solidFill>
-              </a:rPr>
-              <a:t>수정 및 추가</a:t>
-            </a:r>
-          </a:p>
-        </p:txBody>
-      </p:sp>
-      <p:sp>
-        <p:nvSpPr>
-          <p:cNvPr id="6" name="직사각형 5">
-            <a:extLst>
-              <a:ext uri="{FF2B5EF4-FFF2-40B4-BE49-F238E27FC236}">
-                <a16:creationId xmlns:a16="http://schemas.microsoft.com/office/drawing/2014/main" id="{E24E2D93-993B-4FC1-BD12-B9891F5D6D27}"/>
-              </a:ext>
-            </a:extLst>
-          </p:cNvPr>
-          <p:cNvSpPr/>
-          <p:nvPr/>
-        </p:nvSpPr>
-        <p:spPr>
-          <a:xfrm>
-            <a:off x="10109299" y="895095"/>
-            <a:ext cx="177192" cy="177192"/>
-          </a:xfrm>
-          <a:prstGeom prst="rect">
-            <a:avLst/>
-          </a:prstGeom>
-          <a:solidFill>
-            <a:srgbClr val="FF0000"/>
-          </a:solidFill>
-          <a:ln>
-            <a:noFill/>
-          </a:ln>
-        </p:spPr>
-        <p:style>
-          <a:lnRef idx="2">
-            <a:schemeClr val="accent1">
-              <a:shade val="50000"/>
-            </a:schemeClr>
-          </a:lnRef>
-          <a:fillRef idx="1">
-            <a:schemeClr val="accent1"/>
-          </a:fillRef>
-          <a:effectRef idx="0">
-            <a:schemeClr val="accent1"/>
-          </a:effectRef>
-          <a:fontRef idx="minor">
-            <a:schemeClr val="lt1"/>
-          </a:fontRef>
-        </p:style>
-        <p:txBody>
-          <a:bodyPr rtlCol="0" anchor="ctr"/>
-          <a:lstStyle/>
-          <a:p>
-            <a:pPr algn="ctr"/>
-            <a:endParaRPr lang="ko-KR" altLang="en-US" dirty="0"/>
-          </a:p>
-        </p:txBody>
-      </p:sp>
-      <p:sp>
-        <p:nvSpPr>
-          <p:cNvPr id="7" name="TextBox 6">
-            <a:extLst>
-              <a:ext uri="{FF2B5EF4-FFF2-40B4-BE49-F238E27FC236}">
-                <a16:creationId xmlns:a16="http://schemas.microsoft.com/office/drawing/2014/main" id="{FC6F8944-D8B4-4D0A-B159-09E5EDD895EE}"/>
-              </a:ext>
-            </a:extLst>
-          </p:cNvPr>
-          <p:cNvSpPr txBox="1"/>
-          <p:nvPr/>
-        </p:nvSpPr>
-        <p:spPr>
-          <a:xfrm>
-            <a:off x="10292684" y="837234"/>
-            <a:ext cx="598241" cy="369332"/>
-          </a:xfrm>
-          <a:prstGeom prst="rect">
-            <a:avLst/>
-          </a:prstGeom>
-          <a:noFill/>
-        </p:spPr>
-        <p:txBody>
-          <a:bodyPr wrap="none" rtlCol="0">
-            <a:spAutoFit/>
-          </a:bodyPr>
-          <a:lstStyle/>
-          <a:p>
-            <a:r>
-              <a:rPr lang="ko-KR" altLang="en-US" dirty="0">
-                <a:solidFill>
-                  <a:srgbClr val="FF0000"/>
-                </a:solidFill>
-              </a:rPr>
-              <a:t>삭제</a:t>
             </a:r>
           </a:p>
         </p:txBody>

--- a/발표자료/4차 발표.pptx
+++ b/발표자료/4차 발표.pptx
@@ -7096,735 +7096,6 @@
           <a:chExt cx="0" cy="0"/>
         </a:xfrm>
       </p:grpSpPr>
-      <p:graphicFrame>
-        <p:nvGraphicFramePr>
-          <p:cNvPr id="4" name="표 18">
-            <a:extLst>
-              <a:ext uri="{FF2B5EF4-FFF2-40B4-BE49-F238E27FC236}">
-                <a16:creationId xmlns:a16="http://schemas.microsoft.com/office/drawing/2014/main" id="{196D48EE-07A8-41EE-B8C1-4B3981F14EA2}"/>
-              </a:ext>
-            </a:extLst>
-          </p:cNvPr>
-          <p:cNvGraphicFramePr>
-            <a:graphicFrameLocks noGrp="1"/>
-          </p:cNvGraphicFramePr>
-          <p:nvPr>
-            <p:extLst>
-              <p:ext uri="{D42A27DB-BD31-4B8C-83A1-F6EECF244321}">
-                <p14:modId xmlns:p14="http://schemas.microsoft.com/office/powerpoint/2010/main" val="1668816153"/>
-              </p:ext>
-            </p:extLst>
-          </p:nvPr>
-        </p:nvGraphicFramePr>
-        <p:xfrm>
-          <a:off x="1109708" y="1378422"/>
-          <a:ext cx="10216724" cy="4802461"/>
-        </p:xfrm>
-        <a:graphic>
-          <a:graphicData uri="http://schemas.openxmlformats.org/drawingml/2006/table">
-            <a:tbl>
-              <a:tblPr firstRow="1" bandRow="1">
-                <a:effectLst>
-                  <a:outerShdw blurRad="50800" dist="38100" dir="2700000" algn="tl" rotWithShape="0">
-                    <a:prstClr val="black">
-                      <a:alpha val="40000"/>
-                    </a:prstClr>
-                  </a:outerShdw>
-                </a:effectLst>
-                <a:tableStyleId>{5C22544A-7EE6-4342-B048-85BDC9FD1C3A}</a:tableStyleId>
-              </a:tblPr>
-              <a:tblGrid>
-                <a:gridCol w="2009868">
-                  <a:extLst>
-                    <a:ext uri="{9D8B030D-6E8A-4147-A177-3AD203B41FA5}">
-                      <a16:colId xmlns:a16="http://schemas.microsoft.com/office/drawing/2014/main" val="3740341982"/>
-                    </a:ext>
-                  </a:extLst>
-                </a:gridCol>
-                <a:gridCol w="4801282">
-                  <a:extLst>
-                    <a:ext uri="{9D8B030D-6E8A-4147-A177-3AD203B41FA5}">
-                      <a16:colId xmlns:a16="http://schemas.microsoft.com/office/drawing/2014/main" val="3944871571"/>
-                    </a:ext>
-                  </a:extLst>
-                </a:gridCol>
-                <a:gridCol w="3405574">
-                  <a:extLst>
-                    <a:ext uri="{9D8B030D-6E8A-4147-A177-3AD203B41FA5}">
-                      <a16:colId xmlns:a16="http://schemas.microsoft.com/office/drawing/2014/main" val="1257932463"/>
-                    </a:ext>
-                  </a:extLst>
-                </a:gridCol>
-              </a:tblGrid>
-              <a:tr h="403429">
-                <a:tc>
-                  <a:txBody>
-                    <a:bodyPr/>
-                    <a:lstStyle/>
-                    <a:p>
-                      <a:pPr algn="ctr" latinLnBrk="1"/>
-                      <a:r>
-                        <a:rPr lang="ko-KR" altLang="en-US" sz="1600" dirty="0"/>
-                        <a:t>내용</a:t>
-                      </a:r>
-                    </a:p>
-                  </a:txBody>
-                  <a:tcPr/>
-                </a:tc>
-                <a:tc>
-                  <a:txBody>
-                    <a:bodyPr/>
-                    <a:lstStyle/>
-                    <a:p>
-                      <a:pPr algn="ctr" latinLnBrk="1"/>
-                      <a:r>
-                        <a:rPr lang="ko-KR" altLang="en-US" sz="1600" dirty="0"/>
-                        <a:t>기존 발표 목표 범위</a:t>
-                      </a:r>
-                    </a:p>
-                  </a:txBody>
-                  <a:tcPr/>
-                </a:tc>
-                <a:tc>
-                  <a:txBody>
-                    <a:bodyPr/>
-                    <a:lstStyle/>
-                    <a:p>
-                      <a:pPr algn="ctr" latinLnBrk="1"/>
-                      <a:r>
-                        <a:rPr lang="ko-KR" altLang="en-US" sz="1600" dirty="0"/>
-                        <a:t>실제 개발 완료 범위</a:t>
-                      </a:r>
-                    </a:p>
-                  </a:txBody>
-                  <a:tcPr/>
-                </a:tc>
-                <a:extLst>
-                  <a:ext uri="{0D108BD9-81ED-4DB2-BD59-A6C34878D82A}">
-                    <a16:rowId xmlns:a16="http://schemas.microsoft.com/office/drawing/2014/main" val="972490290"/>
-                  </a:ext>
-                </a:extLst>
-              </a:tr>
-              <a:tr h="403429">
-                <a:tc>
-                  <a:txBody>
-                    <a:bodyPr/>
-                    <a:lstStyle/>
-                    <a:p>
-                      <a:pPr latinLnBrk="1"/>
-                      <a:r>
-                        <a:rPr lang="ko-KR" altLang="en-US" sz="1600" dirty="0"/>
-                        <a:t>캐릭터 컨트롤</a:t>
-                      </a:r>
-                    </a:p>
-                  </a:txBody>
-                  <a:tcPr/>
-                </a:tc>
-                <a:tc>
-                  <a:txBody>
-                    <a:bodyPr/>
-                    <a:lstStyle/>
-                    <a:p>
-                      <a:pPr latinLnBrk="1"/>
-                      <a:r>
-                        <a:rPr lang="ko-KR" altLang="en-US" sz="1600" dirty="0"/>
-                        <a:t>방향키로 </a:t>
-                      </a:r>
-                      <a:r>
-                        <a:rPr lang="en-US" altLang="ko-KR" sz="1600" dirty="0"/>
-                        <a:t>4</a:t>
-                      </a:r>
-                      <a:r>
-                        <a:rPr lang="ko-KR" altLang="en-US" sz="1600" dirty="0"/>
-                        <a:t>방향 이동</a:t>
-                      </a:r>
-                      <a:r>
-                        <a:rPr lang="en-US" altLang="ko-KR" sz="1600" dirty="0"/>
-                        <a:t>/</a:t>
-                      </a:r>
-                      <a:r>
-                        <a:rPr lang="ko-KR" altLang="en-US" sz="1600" dirty="0"/>
-                        <a:t> </a:t>
-                      </a:r>
-                      <a:r>
-                        <a:rPr lang="en-US" altLang="ko-KR" sz="1600" dirty="0"/>
-                        <a:t>‘z’</a:t>
-                      </a:r>
-                      <a:r>
-                        <a:rPr lang="ko-KR" altLang="en-US" sz="1600" dirty="0"/>
-                        <a:t>키를 이용한 점프</a:t>
-                      </a:r>
-                      <a:r>
-                        <a:rPr lang="en-US" altLang="ko-KR" sz="1600" dirty="0"/>
-                        <a:t>/ </a:t>
-                      </a:r>
-                      <a:r>
-                        <a:rPr lang="ko-KR" altLang="en-US" sz="1600" dirty="0"/>
-                        <a:t>기본 공격</a:t>
-                      </a:r>
-                    </a:p>
-                  </a:txBody>
-                  <a:tcPr/>
-                </a:tc>
-                <a:tc>
-                  <a:txBody>
-                    <a:bodyPr/>
-                    <a:lstStyle/>
-                    <a:p>
-                      <a:pPr latinLnBrk="1"/>
-                      <a:r>
-                        <a:rPr lang="ko-KR" altLang="en-US" sz="1600" dirty="0"/>
-                        <a:t>이중 점프</a:t>
-                      </a:r>
-                    </a:p>
-                  </a:txBody>
-                  <a:tcPr/>
-                </a:tc>
-                <a:extLst>
-                  <a:ext uri="{0D108BD9-81ED-4DB2-BD59-A6C34878D82A}">
-                    <a16:rowId xmlns:a16="http://schemas.microsoft.com/office/drawing/2014/main" val="1315281615"/>
-                  </a:ext>
-                </a:extLst>
-              </a:tr>
-              <a:tr h="403429">
-                <a:tc>
-                  <a:txBody>
-                    <a:bodyPr/>
-                    <a:lstStyle/>
-                    <a:p>
-                      <a:pPr latinLnBrk="1"/>
-                      <a:r>
-                        <a:rPr lang="ko-KR" altLang="en-US" sz="1600" dirty="0"/>
-                        <a:t>캐릭터 기술</a:t>
-                      </a:r>
-                    </a:p>
-                  </a:txBody>
-                  <a:tcPr/>
-                </a:tc>
-                <a:tc>
-                  <a:txBody>
-                    <a:bodyPr/>
-                    <a:lstStyle/>
-                    <a:p>
-                      <a:pPr latinLnBrk="1"/>
-                      <a:r>
-                        <a:rPr lang="ko-KR" altLang="en-US" sz="1600" dirty="0"/>
-                        <a:t> </a:t>
-                      </a:r>
-                      <a:r>
-                        <a:rPr lang="en-US" altLang="ko-KR" sz="1600" dirty="0"/>
-                        <a:t>‘a’</a:t>
-                      </a:r>
-                      <a:r>
-                        <a:rPr lang="ko-KR" altLang="en-US" sz="1600" dirty="0"/>
-                        <a:t>키를 이용한 공격</a:t>
-                      </a:r>
-                    </a:p>
-                  </a:txBody>
-                  <a:tcPr/>
-                </a:tc>
-                <a:tc>
-                  <a:txBody>
-                    <a:bodyPr/>
-                    <a:lstStyle/>
-                    <a:p>
-                      <a:pPr latinLnBrk="1"/>
-                      <a:r>
-                        <a:rPr lang="ko-KR" altLang="en-US" sz="1600" dirty="0"/>
-                        <a:t>아이템을 획득하면 원거리 공격</a:t>
-                      </a:r>
-                    </a:p>
-                  </a:txBody>
-                  <a:tcPr/>
-                </a:tc>
-                <a:extLst>
-                  <a:ext uri="{0D108BD9-81ED-4DB2-BD59-A6C34878D82A}">
-                    <a16:rowId xmlns:a16="http://schemas.microsoft.com/office/drawing/2014/main" val="1497989340"/>
-                  </a:ext>
-                </a:extLst>
-              </a:tr>
-              <a:tr h="403429">
-                <a:tc>
-                  <a:txBody>
-                    <a:bodyPr/>
-                    <a:lstStyle/>
-                    <a:p>
-                      <a:pPr latinLnBrk="1"/>
-                      <a:r>
-                        <a:rPr lang="ko-KR" altLang="en-US" sz="1600" dirty="0"/>
-                        <a:t>맵</a:t>
-                      </a:r>
-                      <a:r>
-                        <a:rPr lang="en-US" altLang="ko-KR" sz="1600" dirty="0"/>
-                        <a:t>, </a:t>
-                      </a:r>
-                      <a:r>
-                        <a:rPr lang="ko-KR" altLang="en-US" sz="1600" dirty="0"/>
-                        <a:t>스테이지</a:t>
-                      </a:r>
-                    </a:p>
-                  </a:txBody>
-                  <a:tcPr/>
-                </a:tc>
-                <a:tc>
-                  <a:txBody>
-                    <a:bodyPr/>
-                    <a:lstStyle/>
-                    <a:p>
-                      <a:pPr latinLnBrk="1"/>
-                      <a:r>
-                        <a:rPr lang="ko-KR" altLang="en-US" sz="1600" dirty="0"/>
-                        <a:t>스테이지 </a:t>
-                      </a:r>
-                      <a:r>
-                        <a:rPr lang="en-US" altLang="ko-KR" sz="1600" dirty="0"/>
-                        <a:t>2</a:t>
-                      </a:r>
-                      <a:r>
-                        <a:rPr lang="ko-KR" altLang="en-US" sz="1600" dirty="0"/>
-                        <a:t>개</a:t>
-                      </a:r>
-                      <a:r>
-                        <a:rPr lang="en-US" altLang="ko-KR" sz="1600" dirty="0"/>
-                        <a:t>(</a:t>
-                      </a:r>
-                      <a:r>
-                        <a:rPr lang="ko-KR" altLang="en-US" sz="1600" dirty="0"/>
-                        <a:t>폐허가 된 사원</a:t>
-                      </a:r>
-                      <a:r>
-                        <a:rPr lang="en-US" altLang="ko-KR" sz="1600" dirty="0"/>
-                        <a:t>)</a:t>
-                      </a:r>
-                      <a:endParaRPr lang="ko-KR" altLang="en-US" sz="1600" dirty="0"/>
-                    </a:p>
-                  </a:txBody>
-                  <a:tcPr/>
-                </a:tc>
-                <a:tc>
-                  <a:txBody>
-                    <a:bodyPr/>
-                    <a:lstStyle/>
-                    <a:p>
-                      <a:pPr latinLnBrk="1"/>
-                      <a:r>
-                        <a:rPr lang="ko-KR" altLang="en-US" sz="1600" dirty="0"/>
-                        <a:t>최종 보스 스테이지 추가</a:t>
-                      </a:r>
-                    </a:p>
-                  </a:txBody>
-                  <a:tcPr/>
-                </a:tc>
-                <a:extLst>
-                  <a:ext uri="{0D108BD9-81ED-4DB2-BD59-A6C34878D82A}">
-                    <a16:rowId xmlns:a16="http://schemas.microsoft.com/office/drawing/2014/main" val="3600498629"/>
-                  </a:ext>
-                </a:extLst>
-              </a:tr>
-              <a:tr h="630012">
-                <a:tc>
-                  <a:txBody>
-                    <a:bodyPr/>
-                    <a:lstStyle/>
-                    <a:p>
-                      <a:pPr latinLnBrk="1"/>
-                      <a:r>
-                        <a:rPr lang="ko-KR" altLang="en-US" sz="1600" dirty="0"/>
-                        <a:t>적 </a:t>
-                      </a:r>
-                      <a:r>
-                        <a:rPr lang="en-US" altLang="ko-KR" sz="1600" dirty="0"/>
-                        <a:t>AI</a:t>
-                      </a:r>
-                      <a:endParaRPr lang="ko-KR" altLang="en-US" sz="1600" dirty="0"/>
-                    </a:p>
-                  </a:txBody>
-                  <a:tcPr/>
-                </a:tc>
-                <a:tc>
-                  <a:txBody>
-                    <a:bodyPr/>
-                    <a:lstStyle/>
-                    <a:p>
-                      <a:pPr latinLnBrk="1"/>
-                      <a:r>
-                        <a:rPr lang="ko-KR" altLang="en-US" sz="1600" dirty="0"/>
-                        <a:t>특정 </a:t>
-                      </a:r>
-                      <a:r>
-                        <a:rPr lang="ko-KR" altLang="en-US" sz="1600" dirty="0" err="1"/>
-                        <a:t>지형물</a:t>
-                      </a:r>
-                      <a:r>
-                        <a:rPr lang="ko-KR" altLang="en-US" sz="1600" dirty="0"/>
-                        <a:t> 위에서 좌우로만 움직임</a:t>
-                      </a:r>
-                    </a:p>
-                  </a:txBody>
-                  <a:tcPr/>
-                </a:tc>
-                <a:tc>
-                  <a:txBody>
-                    <a:bodyPr/>
-                    <a:lstStyle/>
-                    <a:p>
-                      <a:pPr latinLnBrk="1"/>
-                      <a:r>
-                        <a:rPr lang="ko-KR" altLang="en-US" sz="1600" dirty="0"/>
-                        <a:t>주인공을 </a:t>
-                      </a:r>
-                      <a:r>
-                        <a:rPr lang="ko-KR" altLang="en-US" sz="1600" dirty="0" err="1"/>
-                        <a:t>발견시</a:t>
-                      </a:r>
-                      <a:r>
-                        <a:rPr lang="ko-KR" altLang="en-US" sz="1600" dirty="0"/>
-                        <a:t> 주인공 방향으로 빠르게 이동</a:t>
-                      </a:r>
-                    </a:p>
-                  </a:txBody>
-                  <a:tcPr/>
-                </a:tc>
-                <a:extLst>
-                  <a:ext uri="{0D108BD9-81ED-4DB2-BD59-A6C34878D82A}">
-                    <a16:rowId xmlns:a16="http://schemas.microsoft.com/office/drawing/2014/main" val="2830012009"/>
-                  </a:ext>
-                </a:extLst>
-              </a:tr>
-              <a:tr h="630012">
-                <a:tc>
-                  <a:txBody>
-                    <a:bodyPr/>
-                    <a:lstStyle/>
-                    <a:p>
-                      <a:pPr latinLnBrk="1"/>
-                      <a:r>
-                        <a:rPr lang="ko-KR" altLang="en-US" sz="1600" dirty="0"/>
-                        <a:t>난이도</a:t>
-                      </a:r>
-                    </a:p>
-                  </a:txBody>
-                  <a:tcPr/>
-                </a:tc>
-                <a:tc>
-                  <a:txBody>
-                    <a:bodyPr/>
-                    <a:lstStyle/>
-                    <a:p>
-                      <a:pPr latinLnBrk="1"/>
-                      <a:r>
-                        <a:rPr lang="ko-KR" altLang="en-US" sz="1600" dirty="0"/>
-                        <a:t>난이도 </a:t>
-                      </a:r>
-                      <a:r>
-                        <a:rPr lang="ko-KR" altLang="en-US" sz="1600" dirty="0" err="1"/>
-                        <a:t>증가시</a:t>
-                      </a:r>
-                      <a:r>
-                        <a:rPr lang="ko-KR" altLang="en-US" sz="1600" dirty="0"/>
-                        <a:t> 적의 속도가 대폭 상승</a:t>
-                      </a:r>
-                    </a:p>
-                  </a:txBody>
-                  <a:tcPr/>
-                </a:tc>
-                <a:tc>
-                  <a:txBody>
-                    <a:bodyPr/>
-                    <a:lstStyle/>
-                    <a:p>
-                      <a:pPr latinLnBrk="1"/>
-                      <a:r>
-                        <a:rPr lang="ko-KR" altLang="en-US" sz="1600" dirty="0"/>
-                        <a:t>난이도 </a:t>
-                      </a:r>
-                      <a:r>
-                        <a:rPr lang="ko-KR" altLang="en-US" sz="1600" dirty="0" err="1"/>
-                        <a:t>증가시</a:t>
-                      </a:r>
-                      <a:r>
-                        <a:rPr lang="ko-KR" altLang="en-US" sz="1600" dirty="0"/>
-                        <a:t> 주인공에게 원거리 공격을 하는 적 추가 </a:t>
-                      </a:r>
-                    </a:p>
-                  </a:txBody>
-                  <a:tcPr/>
-                </a:tc>
-                <a:extLst>
-                  <a:ext uri="{0D108BD9-81ED-4DB2-BD59-A6C34878D82A}">
-                    <a16:rowId xmlns:a16="http://schemas.microsoft.com/office/drawing/2014/main" val="3573020117"/>
-                  </a:ext>
-                </a:extLst>
-              </a:tr>
-              <a:tr h="895280">
-                <a:tc>
-                  <a:txBody>
-                    <a:bodyPr/>
-                    <a:lstStyle/>
-                    <a:p>
-                      <a:pPr latinLnBrk="1"/>
-                      <a:r>
-                        <a:rPr lang="ko-KR" altLang="en-US" sz="1600" dirty="0"/>
-                        <a:t>게임 기능</a:t>
-                      </a:r>
-                    </a:p>
-                  </a:txBody>
-                  <a:tcPr/>
-                </a:tc>
-                <a:tc>
-                  <a:txBody>
-                    <a:bodyPr/>
-                    <a:lstStyle/>
-                    <a:p>
-                      <a:pPr latinLnBrk="1"/>
-                      <a:r>
-                        <a:rPr lang="ko-KR" altLang="en-US" sz="1600" dirty="0"/>
-                        <a:t>원거리 공격을 할 수 있는 아이템 </a:t>
-                      </a:r>
-                      <a:r>
-                        <a:rPr lang="en-US" altLang="ko-KR" sz="1600" dirty="0"/>
-                        <a:t>1</a:t>
-                      </a:r>
-                      <a:r>
-                        <a:rPr lang="ko-KR" altLang="en-US" sz="1600" dirty="0"/>
-                        <a:t>개 존재 </a:t>
-                      </a:r>
-                      <a:r>
-                        <a:rPr lang="en-US" altLang="ko-KR" sz="1600" dirty="0"/>
-                        <a:t>/ </a:t>
-                      </a:r>
-                      <a:r>
-                        <a:rPr lang="ko-KR" altLang="en-US" sz="1600" dirty="0" err="1"/>
-                        <a:t>피격시</a:t>
-                      </a:r>
-                      <a:r>
-                        <a:rPr lang="ko-KR" altLang="en-US" sz="1600" dirty="0"/>
-                        <a:t> 아이템 효과가 사라짐  </a:t>
-                      </a:r>
-                      <a:r>
-                        <a:rPr lang="en-US" altLang="ko-KR" sz="1600" dirty="0"/>
-                        <a:t>/ </a:t>
-                      </a:r>
-                      <a:r>
-                        <a:rPr lang="ko-KR" altLang="en-US" sz="1600" dirty="0"/>
-                        <a:t>사라질 아이템 효과가 없으면 사망 </a:t>
-                      </a:r>
-                      <a:r>
-                        <a:rPr lang="en-US" altLang="ko-KR" sz="1600" dirty="0"/>
-                        <a:t>/ </a:t>
-                      </a:r>
-                      <a:r>
-                        <a:rPr lang="ko-KR" altLang="en-US" sz="1600" dirty="0"/>
-                        <a:t>공격 키로 적 제거 가능</a:t>
-                      </a:r>
-                      <a:r>
-                        <a:rPr lang="en-US" altLang="ko-KR" sz="1600" dirty="0"/>
-                        <a:t> </a:t>
-                      </a:r>
-                      <a:endParaRPr lang="ko-KR" altLang="en-US" sz="1600" dirty="0"/>
-                    </a:p>
-                  </a:txBody>
-                  <a:tcPr/>
-                </a:tc>
-                <a:tc>
-                  <a:txBody>
-                    <a:bodyPr/>
-                    <a:lstStyle/>
-                    <a:p>
-                      <a:pPr latinLnBrk="1"/>
-                      <a:r>
-                        <a:rPr lang="ko-KR" altLang="en-US" sz="1600" dirty="0"/>
-                        <a:t>체력 바를 추가해 주인공이 원거리 공격을 당할 시 체력 감소 </a:t>
-                      </a:r>
-                      <a:r>
-                        <a:rPr lang="en-US" altLang="ko-KR" sz="1600" dirty="0"/>
-                        <a:t>/ </a:t>
-                      </a:r>
-                      <a:r>
-                        <a:rPr lang="ko-KR" altLang="en-US" sz="1600" dirty="0"/>
-                        <a:t>원거리 공격 아이템 </a:t>
-                      </a:r>
-                      <a:r>
-                        <a:rPr lang="en-US" altLang="ko-KR" sz="1600" dirty="0"/>
-                        <a:t>1</a:t>
-                      </a:r>
-                      <a:r>
-                        <a:rPr lang="ko-KR" altLang="en-US" sz="1600" dirty="0"/>
-                        <a:t>개 추가</a:t>
-                      </a:r>
-                    </a:p>
-                  </a:txBody>
-                  <a:tcPr/>
-                </a:tc>
-                <a:extLst>
-                  <a:ext uri="{0D108BD9-81ED-4DB2-BD59-A6C34878D82A}">
-                    <a16:rowId xmlns:a16="http://schemas.microsoft.com/office/drawing/2014/main" val="2051441257"/>
-                  </a:ext>
-                </a:extLst>
-              </a:tr>
-              <a:tr h="403429">
-                <a:tc>
-                  <a:txBody>
-                    <a:bodyPr/>
-                    <a:lstStyle/>
-                    <a:p>
-                      <a:pPr latinLnBrk="1"/>
-                      <a:r>
-                        <a:rPr lang="ko-KR" altLang="en-US" sz="1600" dirty="0"/>
-                        <a:t>사운드 </a:t>
-                      </a:r>
-                    </a:p>
-                  </a:txBody>
-                  <a:tcPr/>
-                </a:tc>
-                <a:tc gridSpan="2">
-                  <a:txBody>
-                    <a:bodyPr/>
-                    <a:lstStyle/>
-                    <a:p>
-                      <a:pPr latinLnBrk="1"/>
-                      <a:r>
-                        <a:rPr lang="ko-KR" altLang="en-US" sz="1600" dirty="0"/>
-                        <a:t>배경 음악 </a:t>
-                      </a:r>
-                      <a:r>
-                        <a:rPr lang="en-US" altLang="ko-KR" sz="1600" dirty="0"/>
-                        <a:t>/ </a:t>
-                      </a:r>
-                      <a:r>
-                        <a:rPr lang="ko-KR" altLang="en-US" sz="1600" dirty="0"/>
-                        <a:t>점프 효과음 </a:t>
-                      </a:r>
-                      <a:r>
-                        <a:rPr lang="en-US" altLang="ko-KR" sz="1600" dirty="0"/>
-                        <a:t>/ </a:t>
-                      </a:r>
-                      <a:r>
-                        <a:rPr lang="ko-KR" altLang="en-US" sz="1600" dirty="0"/>
-                        <a:t>공격 효과음 </a:t>
-                      </a:r>
-                      <a:r>
-                        <a:rPr lang="en-US" altLang="ko-KR" sz="1600" dirty="0"/>
-                        <a:t>/ </a:t>
-                      </a:r>
-                      <a:r>
-                        <a:rPr lang="ko-KR" altLang="en-US" sz="1600" dirty="0"/>
-                        <a:t>아이템 획득 효과음 </a:t>
-                      </a:r>
-                      <a:r>
-                        <a:rPr lang="en-US" altLang="ko-KR" sz="1600" dirty="0"/>
-                        <a:t>/ </a:t>
-                      </a:r>
-                      <a:r>
-                        <a:rPr lang="ko-KR" altLang="en-US" sz="1600" dirty="0"/>
-                        <a:t>적 </a:t>
-                      </a:r>
-                      <a:r>
-                        <a:rPr lang="ko-KR" altLang="en-US" sz="1600" dirty="0" err="1"/>
-                        <a:t>피격시</a:t>
-                      </a:r>
-                      <a:r>
-                        <a:rPr lang="ko-KR" altLang="en-US" sz="1600" dirty="0"/>
-                        <a:t> 효과음</a:t>
-                      </a:r>
-                    </a:p>
-                  </a:txBody>
-                  <a:tcPr/>
-                </a:tc>
-                <a:tc hMerge="1">
-                  <a:txBody>
-                    <a:bodyPr/>
-                    <a:lstStyle/>
-                    <a:p>
-                      <a:pPr latinLnBrk="1"/>
-                      <a:endParaRPr lang="ko-KR" altLang="en-US" sz="1600" dirty="0"/>
-                    </a:p>
-                  </a:txBody>
-                  <a:tcPr/>
-                </a:tc>
-                <a:extLst>
-                  <a:ext uri="{0D108BD9-81ED-4DB2-BD59-A6C34878D82A}">
-                    <a16:rowId xmlns:a16="http://schemas.microsoft.com/office/drawing/2014/main" val="2669605434"/>
-                  </a:ext>
-                </a:extLst>
-              </a:tr>
-              <a:tr h="630012">
-                <a:tc>
-                  <a:txBody>
-                    <a:bodyPr/>
-                    <a:lstStyle/>
-                    <a:p>
-                      <a:pPr latinLnBrk="1"/>
-                      <a:r>
-                        <a:rPr lang="ko-KR" altLang="en-US" sz="1600" dirty="0"/>
-                        <a:t>애니메이션</a:t>
-                      </a:r>
-                    </a:p>
-                  </a:txBody>
-                  <a:tcPr/>
-                </a:tc>
-                <a:tc>
-                  <a:txBody>
-                    <a:bodyPr/>
-                    <a:lstStyle/>
-                    <a:p>
-                      <a:pPr latinLnBrk="1"/>
-                      <a:r>
-                        <a:rPr lang="ko-KR" altLang="en-US" sz="1600" dirty="0"/>
-                        <a:t>주인공의 이동 </a:t>
-                      </a:r>
-                      <a:r>
-                        <a:rPr lang="en-US" altLang="ko-KR" sz="1600" dirty="0"/>
-                        <a:t>/</a:t>
-                      </a:r>
-                      <a:r>
-                        <a:rPr lang="ko-KR" altLang="en-US" sz="1600" dirty="0"/>
-                        <a:t>주인공의 공격</a:t>
-                      </a:r>
-                      <a:r>
-                        <a:rPr lang="en-US" altLang="ko-KR" sz="1600" dirty="0"/>
-                        <a:t> /</a:t>
-                      </a:r>
-                      <a:r>
-                        <a:rPr lang="ko-KR" altLang="en-US" sz="1600" dirty="0"/>
-                        <a:t>적 이동</a:t>
-                      </a:r>
-                    </a:p>
-                  </a:txBody>
-                  <a:tcPr/>
-                </a:tc>
-                <a:tc>
-                  <a:txBody>
-                    <a:bodyPr/>
-                    <a:lstStyle/>
-                    <a:p>
-                      <a:pPr latinLnBrk="1"/>
-                      <a:r>
-                        <a:rPr lang="ko-KR" altLang="en-US" sz="1600" dirty="0"/>
-                        <a:t>원거리 공격 모션</a:t>
-                      </a:r>
-                      <a:r>
-                        <a:rPr lang="en-US" altLang="ko-KR" sz="1600" dirty="0"/>
-                        <a:t>, </a:t>
-                      </a:r>
-                      <a:r>
-                        <a:rPr lang="ko-KR" altLang="en-US" sz="1600" dirty="0"/>
-                        <a:t>적의 원거리 공격 모션 추가</a:t>
-                      </a:r>
-                    </a:p>
-                  </a:txBody>
-                  <a:tcPr/>
-                </a:tc>
-                <a:extLst>
-                  <a:ext uri="{0D108BD9-81ED-4DB2-BD59-A6C34878D82A}">
-                    <a16:rowId xmlns:a16="http://schemas.microsoft.com/office/drawing/2014/main" val="4626458"/>
-                  </a:ext>
-                </a:extLst>
-              </a:tr>
-            </a:tbl>
-          </a:graphicData>
-        </a:graphic>
-      </p:graphicFrame>
       <p:sp>
         <p:nvSpPr>
           <p:cNvPr id="5" name="제목 1">
@@ -7874,42 +7145,12 @@
           </a:p>
         </p:txBody>
       </p:sp>
-    </p:spTree>
-    <p:extLst>
-      <p:ext uri="{BB962C8B-B14F-4D97-AF65-F5344CB8AC3E}">
-        <p14:creationId xmlns:p14="http://schemas.microsoft.com/office/powerpoint/2010/main" val="2084562294"/>
-      </p:ext>
-    </p:extLst>
-  </p:cSld>
-  <p:clrMapOvr>
-    <a:masterClrMapping/>
-  </p:clrMapOvr>
-</p:sld>
-</file>
-
-<file path=ppt/slides/slide3.xml><?xml version="1.0" encoding="utf-8"?>
-<p:sld xmlns:a="http://schemas.openxmlformats.org/drawingml/2006/main" xmlns:r="http://schemas.openxmlformats.org/officeDocument/2006/relationships" xmlns:p="http://schemas.openxmlformats.org/presentationml/2006/main">
-  <p:cSld>
-    <p:spTree>
-      <p:nvGrpSpPr>
-        <p:cNvPr id="1" name=""/>
-        <p:cNvGrpSpPr/>
-        <p:nvPr/>
-      </p:nvGrpSpPr>
-      <p:grpSpPr>
-        <a:xfrm>
-          <a:off x="0" y="0"/>
-          <a:ext cx="0" cy="0"/>
-          <a:chOff x="0" y="0"/>
-          <a:chExt cx="0" cy="0"/>
-        </a:xfrm>
-      </p:grpSpPr>
       <p:graphicFrame>
         <p:nvGraphicFramePr>
-          <p:cNvPr id="4" name="표 18">
+          <p:cNvPr id="6" name="표 18">
             <a:extLst>
               <a:ext uri="{FF2B5EF4-FFF2-40B4-BE49-F238E27FC236}">
-                <a16:creationId xmlns:a16="http://schemas.microsoft.com/office/drawing/2014/main" id="{196D48EE-07A8-41EE-B8C1-4B3981F14EA2}"/>
+                <a16:creationId xmlns:a16="http://schemas.microsoft.com/office/drawing/2014/main" id="{811E07A5-6D12-40B7-A9A6-BFD542A8259F}"/>
               </a:ext>
             </a:extLst>
           </p:cNvPr>
@@ -7919,7 +7160,7 @@
           <p:nvPr>
             <p:extLst>
               <p:ext uri="{D42A27DB-BD31-4B8C-83A1-F6EECF244321}">
-                <p14:modId xmlns:p14="http://schemas.microsoft.com/office/powerpoint/2010/main" val="1146611967"/>
+                <p14:modId xmlns:p14="http://schemas.microsoft.com/office/powerpoint/2010/main" val="8207786"/>
               </p:ext>
             </p:extLst>
           </p:nvPr>
@@ -7994,15 +7235,7 @@
                       <a:pPr algn="ctr" latinLnBrk="1"/>
                       <a:r>
                         <a:rPr lang="ko-KR" altLang="en-US" sz="1700" dirty="0"/>
-                        <a:t>수정 </a:t>
-                      </a:r>
-                      <a:r>
-                        <a:rPr lang="ko-KR" altLang="en-US" sz="1700" dirty="0" err="1"/>
-                        <a:t>됬던</a:t>
-                      </a:r>
-                      <a:r>
-                        <a:rPr lang="ko-KR" altLang="en-US" sz="1700" dirty="0"/>
-                        <a:t> </a:t>
+                        <a:t>수정 됐던 </a:t>
                       </a:r>
                       <a:r>
                         <a:rPr lang="en-US" altLang="ko-KR" sz="1700" dirty="0"/>
@@ -8613,10 +7846,18 @@
                     <a:p>
                       <a:pPr latinLnBrk="1"/>
                       <a:r>
-                        <a:rPr lang="en-US" altLang="ko-KR" sz="1700" dirty="0"/>
+                        <a:rPr lang="en-US" altLang="ko-KR" sz="1700" dirty="0">
+                          <a:solidFill>
+                            <a:srgbClr val="FF0000"/>
+                          </a:solidFill>
+                        </a:rPr>
                         <a:t>50%</a:t>
                       </a:r>
-                      <a:endParaRPr lang="ko-KR" altLang="en-US" sz="1700" dirty="0"/>
+                      <a:endParaRPr lang="ko-KR" altLang="en-US" sz="1700" dirty="0">
+                        <a:solidFill>
+                          <a:srgbClr val="FF0000"/>
+                        </a:solidFill>
+                      </a:endParaRPr>
                     </a:p>
                   </a:txBody>
                   <a:tcPr marL="95692" marR="95692" marT="47846" marB="47846"/>
@@ -9254,7 +8495,1413 @@
                     <a:p>
                       <a:pPr latinLnBrk="1"/>
                       <a:r>
-                        <a:rPr lang="en-US" altLang="ko-KR" sz="1700">
+                        <a:rPr lang="en-US" altLang="ko-KR" sz="1700" dirty="0">
+                          <a:solidFill>
+                            <a:srgbClr val="3333FF"/>
+                          </a:solidFill>
+                        </a:rPr>
+                        <a:t>100%</a:t>
+                      </a:r>
+                      <a:endParaRPr lang="ko-KR" altLang="en-US" sz="1700" dirty="0">
+                        <a:solidFill>
+                          <a:srgbClr val="FF0000"/>
+                        </a:solidFill>
+                      </a:endParaRPr>
+                    </a:p>
+                  </a:txBody>
+                  <a:tcPr marL="95692" marR="95692" marT="47846" marB="47846"/>
+                </a:tc>
+                <a:extLst>
+                  <a:ext uri="{0D108BD9-81ED-4DB2-BD59-A6C34878D82A}">
+                    <a16:rowId xmlns:a16="http://schemas.microsoft.com/office/drawing/2014/main" val="4626458"/>
+                  </a:ext>
+                </a:extLst>
+              </a:tr>
+            </a:tbl>
+          </a:graphicData>
+        </a:graphic>
+      </p:graphicFrame>
+    </p:spTree>
+    <p:extLst>
+      <p:ext uri="{BB962C8B-B14F-4D97-AF65-F5344CB8AC3E}">
+        <p14:creationId xmlns:p14="http://schemas.microsoft.com/office/powerpoint/2010/main" val="2084562294"/>
+      </p:ext>
+    </p:extLst>
+  </p:cSld>
+  <p:clrMapOvr>
+    <a:masterClrMapping/>
+  </p:clrMapOvr>
+</p:sld>
+</file>
+
+<file path=ppt/slides/slide3.xml><?xml version="1.0" encoding="utf-8"?>
+<p:sld xmlns:a="http://schemas.openxmlformats.org/drawingml/2006/main" xmlns:r="http://schemas.openxmlformats.org/officeDocument/2006/relationships" xmlns:p="http://schemas.openxmlformats.org/presentationml/2006/main">
+  <p:cSld>
+    <p:spTree>
+      <p:nvGrpSpPr>
+        <p:cNvPr id="1" name=""/>
+        <p:cNvGrpSpPr/>
+        <p:nvPr/>
+      </p:nvGrpSpPr>
+      <p:grpSpPr>
+        <a:xfrm>
+          <a:off x="0" y="0"/>
+          <a:ext cx="0" cy="0"/>
+          <a:chOff x="0" y="0"/>
+          <a:chExt cx="0" cy="0"/>
+        </a:xfrm>
+      </p:grpSpPr>
+      <p:graphicFrame>
+        <p:nvGraphicFramePr>
+          <p:cNvPr id="4" name="표 18">
+            <a:extLst>
+              <a:ext uri="{FF2B5EF4-FFF2-40B4-BE49-F238E27FC236}">
+                <a16:creationId xmlns:a16="http://schemas.microsoft.com/office/drawing/2014/main" id="{196D48EE-07A8-41EE-B8C1-4B3981F14EA2}"/>
+              </a:ext>
+            </a:extLst>
+          </p:cNvPr>
+          <p:cNvGraphicFramePr>
+            <a:graphicFrameLocks noGrp="1"/>
+          </p:cNvGraphicFramePr>
+          <p:nvPr>
+            <p:extLst>
+              <p:ext uri="{D42A27DB-BD31-4B8C-83A1-F6EECF244321}">
+                <p14:modId xmlns:p14="http://schemas.microsoft.com/office/powerpoint/2010/main" val="2598928716"/>
+              </p:ext>
+            </p:extLst>
+          </p:nvPr>
+        </p:nvGraphicFramePr>
+        <p:xfrm>
+          <a:off x="1251794" y="1148606"/>
+          <a:ext cx="10237051" cy="5555467"/>
+        </p:xfrm>
+        <a:graphic>
+          <a:graphicData uri="http://schemas.openxmlformats.org/drawingml/2006/table">
+            <a:tbl>
+              <a:tblPr firstRow="1" bandRow="1">
+                <a:effectLst>
+                  <a:outerShdw blurRad="50800" dist="38100" dir="2700000" algn="tl" rotWithShape="0">
+                    <a:prstClr val="black">
+                      <a:alpha val="40000"/>
+                    </a:prstClr>
+                  </a:outerShdw>
+                </a:effectLst>
+                <a:tableStyleId>{5C22544A-7EE6-4342-B048-85BDC9FD1C3A}</a:tableStyleId>
+              </a:tblPr>
+              <a:tblGrid>
+                <a:gridCol w="1597938">
+                  <a:extLst>
+                    <a:ext uri="{9D8B030D-6E8A-4147-A177-3AD203B41FA5}">
+                      <a16:colId xmlns:a16="http://schemas.microsoft.com/office/drawing/2014/main" val="3740341982"/>
+                    </a:ext>
+                  </a:extLst>
+                </a:gridCol>
+                <a:gridCol w="5059828">
+                  <a:extLst>
+                    <a:ext uri="{9D8B030D-6E8A-4147-A177-3AD203B41FA5}">
+                      <a16:colId xmlns:a16="http://schemas.microsoft.com/office/drawing/2014/main" val="3944871571"/>
+                    </a:ext>
+                  </a:extLst>
+                </a:gridCol>
+                <a:gridCol w="1873110">
+                  <a:extLst>
+                    <a:ext uri="{9D8B030D-6E8A-4147-A177-3AD203B41FA5}">
+                      <a16:colId xmlns:a16="http://schemas.microsoft.com/office/drawing/2014/main" val="1257932463"/>
+                    </a:ext>
+                  </a:extLst>
+                </a:gridCol>
+                <a:gridCol w="1706175">
+                  <a:extLst>
+                    <a:ext uri="{9D8B030D-6E8A-4147-A177-3AD203B41FA5}">
+                      <a16:colId xmlns:a16="http://schemas.microsoft.com/office/drawing/2014/main" val="1194977277"/>
+                    </a:ext>
+                  </a:extLst>
+                </a:gridCol>
+              </a:tblGrid>
+              <a:tr h="388083">
+                <a:tc>
+                  <a:txBody>
+                    <a:bodyPr/>
+                    <a:lstStyle/>
+                    <a:p>
+                      <a:pPr algn="ctr" latinLnBrk="1"/>
+                      <a:r>
+                        <a:rPr lang="ko-KR" altLang="en-US" sz="1700" dirty="0"/>
+                        <a:t>내용</a:t>
+                      </a:r>
+                    </a:p>
+                  </a:txBody>
+                  <a:tcPr marL="95692" marR="95692" marT="47846" marB="47846"/>
+                </a:tc>
+                <a:tc>
+                  <a:txBody>
+                    <a:bodyPr/>
+                    <a:lstStyle/>
+                    <a:p>
+                      <a:pPr algn="ctr" latinLnBrk="1"/>
+                      <a:r>
+                        <a:rPr lang="ko-KR" altLang="en-US" sz="1700" dirty="0"/>
+                        <a:t>수정 됐던 </a:t>
+                      </a:r>
+                      <a:r>
+                        <a:rPr lang="en-US" altLang="ko-KR" sz="1700" dirty="0"/>
+                        <a:t>3</a:t>
+                      </a:r>
+                      <a:r>
+                        <a:rPr lang="ko-KR" altLang="en-US" sz="1700" dirty="0"/>
+                        <a:t>차 발표 목표 범위</a:t>
+                      </a:r>
+                    </a:p>
+                  </a:txBody>
+                  <a:tcPr marL="95692" marR="95692" marT="47846" marB="47846"/>
+                </a:tc>
+                <a:tc>
+                  <a:txBody>
+                    <a:bodyPr/>
+                    <a:lstStyle/>
+                    <a:p>
+                      <a:pPr algn="ctr" latinLnBrk="1"/>
+                      <a:r>
+                        <a:rPr lang="ko-KR" altLang="en-US" sz="1700" dirty="0"/>
+                        <a:t>실제 개발 완료 범위</a:t>
+                      </a:r>
+                    </a:p>
+                  </a:txBody>
+                  <a:tcPr marL="95692" marR="95692" marT="47846" marB="47846"/>
+                </a:tc>
+                <a:tc>
+                  <a:txBody>
+                    <a:bodyPr/>
+                    <a:lstStyle/>
+                    <a:p>
+                      <a:pPr algn="ctr" latinLnBrk="1"/>
+                      <a:r>
+                        <a:rPr lang="ko-KR" altLang="en-US" sz="1700" dirty="0"/>
+                        <a:t>진척도</a:t>
+                      </a:r>
+                    </a:p>
+                  </a:txBody>
+                  <a:tcPr marL="95692" marR="95692" marT="47846" marB="47846"/>
+                </a:tc>
+                <a:extLst>
+                  <a:ext uri="{0D108BD9-81ED-4DB2-BD59-A6C34878D82A}">
+                    <a16:rowId xmlns:a16="http://schemas.microsoft.com/office/drawing/2014/main" val="972490290"/>
+                  </a:ext>
+                </a:extLst>
+              </a:tr>
+              <a:tr h="388083">
+                <a:tc>
+                  <a:txBody>
+                    <a:bodyPr/>
+                    <a:lstStyle/>
+                    <a:p>
+                      <a:pPr latinLnBrk="1"/>
+                      <a:r>
+                        <a:rPr lang="ko-KR" altLang="en-US" sz="1700" dirty="0"/>
+                        <a:t>캐릭터 컨트롤</a:t>
+                      </a:r>
+                    </a:p>
+                  </a:txBody>
+                  <a:tcPr marL="95692" marR="95692" marT="47846" marB="47846"/>
+                </a:tc>
+                <a:tc>
+                  <a:txBody>
+                    <a:bodyPr/>
+                    <a:lstStyle/>
+                    <a:p>
+                      <a:pPr latinLnBrk="1"/>
+                      <a:r>
+                        <a:rPr lang="ko-KR" altLang="en-US" sz="1700" dirty="0">
+                          <a:solidFill>
+                            <a:schemeClr val="tx1"/>
+                          </a:solidFill>
+                        </a:rPr>
+                        <a:t>방향키로 </a:t>
+                      </a:r>
+                      <a:r>
+                        <a:rPr lang="en-US" altLang="ko-KR" sz="1700" dirty="0">
+                          <a:solidFill>
+                            <a:schemeClr val="tx1"/>
+                          </a:solidFill>
+                        </a:rPr>
+                        <a:t>2</a:t>
+                      </a:r>
+                      <a:r>
+                        <a:rPr lang="ko-KR" altLang="en-US" sz="1700" dirty="0">
+                          <a:solidFill>
+                            <a:schemeClr val="tx1"/>
+                          </a:solidFill>
+                        </a:rPr>
+                        <a:t>방향 이동</a:t>
+                      </a:r>
+                      <a:r>
+                        <a:rPr lang="en-US" altLang="ko-KR" sz="1700" dirty="0">
+                          <a:solidFill>
+                            <a:schemeClr val="tx1"/>
+                          </a:solidFill>
+                        </a:rPr>
+                        <a:t>/</a:t>
+                      </a:r>
+                      <a:r>
+                        <a:rPr lang="ko-KR" altLang="en-US" sz="1700" dirty="0">
+                          <a:solidFill>
+                            <a:schemeClr val="tx1"/>
+                          </a:solidFill>
+                        </a:rPr>
+                        <a:t> </a:t>
+                      </a:r>
+                      <a:r>
+                        <a:rPr lang="en-US" altLang="ko-KR" sz="1700" dirty="0">
+                          <a:solidFill>
+                            <a:schemeClr val="tx1"/>
+                          </a:solidFill>
+                        </a:rPr>
+                        <a:t>‘z’</a:t>
+                      </a:r>
+                      <a:r>
+                        <a:rPr lang="ko-KR" altLang="en-US" sz="1700" dirty="0">
+                          <a:solidFill>
+                            <a:schemeClr val="tx1"/>
+                          </a:solidFill>
+                        </a:rPr>
+                        <a:t>키를 이용한 점프</a:t>
+                      </a:r>
+                    </a:p>
+                  </a:txBody>
+                  <a:tcPr marL="95692" marR="95692" marT="47846" marB="47846"/>
+                </a:tc>
+                <a:tc>
+                  <a:txBody>
+                    <a:bodyPr/>
+                    <a:lstStyle/>
+                    <a:p>
+                      <a:pPr latinLnBrk="1"/>
+                      <a:r>
+                        <a:rPr lang="ko-KR" altLang="en-US" sz="1600" dirty="0">
+                          <a:solidFill>
+                            <a:schemeClr val="tx1"/>
+                          </a:solidFill>
+                        </a:rPr>
+                        <a:t>좌우이동</a:t>
+                      </a:r>
+                      <a:r>
+                        <a:rPr lang="en-US" altLang="ko-KR" sz="1600" dirty="0">
+                          <a:solidFill>
+                            <a:schemeClr val="tx1"/>
+                          </a:solidFill>
+                        </a:rPr>
+                        <a:t>, </a:t>
+                      </a:r>
+                      <a:r>
+                        <a:rPr lang="ko-KR" altLang="en-US" sz="1600" dirty="0">
+                          <a:solidFill>
+                            <a:schemeClr val="tx1"/>
+                          </a:solidFill>
+                        </a:rPr>
+                        <a:t>점프 구현</a:t>
+                      </a:r>
+                    </a:p>
+                  </a:txBody>
+                  <a:tcPr marL="95692" marR="95692" marT="47846" marB="47846"/>
+                </a:tc>
+                <a:tc>
+                  <a:txBody>
+                    <a:bodyPr/>
+                    <a:lstStyle/>
+                    <a:p>
+                      <a:pPr latinLnBrk="1"/>
+                      <a:r>
+                        <a:rPr lang="en-US" altLang="ko-KR" sz="1700" dirty="0">
+                          <a:solidFill>
+                            <a:srgbClr val="3333FF"/>
+                          </a:solidFill>
+                        </a:rPr>
+                        <a:t>100%</a:t>
+                      </a:r>
+                      <a:endParaRPr lang="ko-KR" altLang="en-US" sz="1700" dirty="0">
+                        <a:solidFill>
+                          <a:srgbClr val="FF0000"/>
+                        </a:solidFill>
+                      </a:endParaRPr>
+                    </a:p>
+                  </a:txBody>
+                  <a:tcPr marL="95692" marR="95692" marT="47846" marB="47846"/>
+                </a:tc>
+                <a:extLst>
+                  <a:ext uri="{0D108BD9-81ED-4DB2-BD59-A6C34878D82A}">
+                    <a16:rowId xmlns:a16="http://schemas.microsoft.com/office/drawing/2014/main" val="1315281615"/>
+                  </a:ext>
+                </a:extLst>
+              </a:tr>
+              <a:tr h="388083">
+                <a:tc>
+                  <a:txBody>
+                    <a:bodyPr/>
+                    <a:lstStyle/>
+                    <a:p>
+                      <a:pPr latinLnBrk="1"/>
+                      <a:r>
+                        <a:rPr lang="ko-KR" altLang="en-US" sz="1700" dirty="0"/>
+                        <a:t>캐릭터 기술</a:t>
+                      </a:r>
+                    </a:p>
+                  </a:txBody>
+                  <a:tcPr marL="95692" marR="95692" marT="47846" marB="47846"/>
+                </a:tc>
+                <a:tc>
+                  <a:txBody>
+                    <a:bodyPr/>
+                    <a:lstStyle/>
+                    <a:p>
+                      <a:pPr marL="0" marR="0" lvl="0" indent="0" algn="l" defTabSz="914400" rtl="0" eaLnBrk="1" fontAlgn="auto" latinLnBrk="1" hangingPunct="1">
+                        <a:lnSpc>
+                          <a:spcPct val="100000"/>
+                        </a:lnSpc>
+                        <a:spcBef>
+                          <a:spcPts val="0"/>
+                        </a:spcBef>
+                        <a:spcAft>
+                          <a:spcPts val="0"/>
+                        </a:spcAft>
+                        <a:buClrTx/>
+                        <a:buSzTx/>
+                        <a:buFontTx/>
+                        <a:buNone/>
+                        <a:tabLst/>
+                        <a:defRPr/>
+                      </a:pPr>
+                      <a:r>
+                        <a:rPr lang="ko-KR" altLang="en-US" sz="1700" dirty="0">
+                          <a:solidFill>
+                            <a:schemeClr val="tx1"/>
+                          </a:solidFill>
+                        </a:rPr>
+                        <a:t> </a:t>
+                      </a:r>
+                      <a:r>
+                        <a:rPr lang="en-US" altLang="ko-KR" sz="1700" dirty="0">
+                          <a:solidFill>
+                            <a:schemeClr val="tx1"/>
+                          </a:solidFill>
+                        </a:rPr>
+                        <a:t>‘c’</a:t>
+                      </a:r>
+                      <a:r>
+                        <a:rPr lang="ko-KR" altLang="en-US" sz="1700" dirty="0">
+                          <a:solidFill>
+                            <a:schemeClr val="tx1"/>
+                          </a:solidFill>
+                        </a:rPr>
+                        <a:t>키를 이용한 공격 </a:t>
+                      </a:r>
+                      <a:r>
+                        <a:rPr lang="en-US" altLang="ko-KR" sz="1700" dirty="0">
+                          <a:solidFill>
+                            <a:schemeClr val="tx1"/>
+                          </a:solidFill>
+                        </a:rPr>
+                        <a:t>/ </a:t>
+                      </a:r>
+                      <a:r>
+                        <a:rPr lang="ko-KR" altLang="en-US" sz="1700" dirty="0">
+                          <a:solidFill>
+                            <a:schemeClr val="tx1"/>
+                          </a:solidFill>
+                        </a:rPr>
+                        <a:t>아이템을 획득하면 원거리 공격</a:t>
+                      </a:r>
+                    </a:p>
+                  </a:txBody>
+                  <a:tcPr marL="95692" marR="95692" marT="47846" marB="47846"/>
+                </a:tc>
+                <a:tc>
+                  <a:txBody>
+                    <a:bodyPr/>
+                    <a:lstStyle/>
+                    <a:p>
+                      <a:pPr latinLnBrk="1"/>
+                      <a:r>
+                        <a:rPr lang="ko-KR" altLang="en-US" sz="1600" dirty="0">
+                          <a:solidFill>
+                            <a:schemeClr val="tx1"/>
+                          </a:solidFill>
+                        </a:rPr>
+                        <a:t>아이템을 통한 공격</a:t>
+                      </a:r>
+                    </a:p>
+                  </a:txBody>
+                  <a:tcPr marL="95692" marR="95692" marT="47846" marB="47846"/>
+                </a:tc>
+                <a:tc>
+                  <a:txBody>
+                    <a:bodyPr/>
+                    <a:lstStyle/>
+                    <a:p>
+                      <a:pPr latinLnBrk="1"/>
+                      <a:r>
+                        <a:rPr lang="en-US" altLang="ko-KR" sz="1700" dirty="0">
+                          <a:solidFill>
+                            <a:srgbClr val="3333FF"/>
+                          </a:solidFill>
+                        </a:rPr>
+                        <a:t>100%</a:t>
+                      </a:r>
+                      <a:endParaRPr lang="ko-KR" altLang="en-US" sz="1700" dirty="0"/>
+                    </a:p>
+                  </a:txBody>
+                  <a:tcPr marL="95692" marR="95692" marT="47846" marB="47846"/>
+                </a:tc>
+                <a:extLst>
+                  <a:ext uri="{0D108BD9-81ED-4DB2-BD59-A6C34878D82A}">
+                    <a16:rowId xmlns:a16="http://schemas.microsoft.com/office/drawing/2014/main" val="1497989340"/>
+                  </a:ext>
+                </a:extLst>
+              </a:tr>
+              <a:tr h="606047">
+                <a:tc>
+                  <a:txBody>
+                    <a:bodyPr/>
+                    <a:lstStyle/>
+                    <a:p>
+                      <a:pPr latinLnBrk="1"/>
+                      <a:r>
+                        <a:rPr lang="ko-KR" altLang="en-US" sz="1700" dirty="0"/>
+                        <a:t>맵</a:t>
+                      </a:r>
+                      <a:r>
+                        <a:rPr lang="en-US" altLang="ko-KR" sz="1700" dirty="0"/>
+                        <a:t>, </a:t>
+                      </a:r>
+                      <a:r>
+                        <a:rPr lang="ko-KR" altLang="en-US" sz="1700" dirty="0"/>
+                        <a:t>스테이지</a:t>
+                      </a:r>
+                    </a:p>
+                  </a:txBody>
+                  <a:tcPr marL="95692" marR="95692" marT="47846" marB="47846"/>
+                </a:tc>
+                <a:tc>
+                  <a:txBody>
+                    <a:bodyPr/>
+                    <a:lstStyle/>
+                    <a:p>
+                      <a:pPr latinLnBrk="1"/>
+                      <a:r>
+                        <a:rPr lang="ko-KR" altLang="en-US" sz="1700" dirty="0">
+                          <a:solidFill>
+                            <a:schemeClr val="tx1"/>
+                          </a:solidFill>
+                        </a:rPr>
+                        <a:t>스테이지 </a:t>
+                      </a:r>
+                      <a:r>
+                        <a:rPr lang="en-US" altLang="ko-KR" sz="1700" dirty="0">
+                          <a:solidFill>
+                            <a:schemeClr val="tx1"/>
+                          </a:solidFill>
+                        </a:rPr>
+                        <a:t>2</a:t>
+                      </a:r>
+                      <a:r>
+                        <a:rPr lang="ko-KR" altLang="en-US" sz="1700" dirty="0">
+                          <a:solidFill>
+                            <a:schemeClr val="tx1"/>
+                          </a:solidFill>
+                        </a:rPr>
+                        <a:t>개 </a:t>
+                      </a:r>
+                      <a:endParaRPr lang="en-US" altLang="ko-KR" sz="1700" dirty="0">
+                        <a:solidFill>
+                          <a:schemeClr val="tx1"/>
+                        </a:solidFill>
+                      </a:endParaRPr>
+                    </a:p>
+                    <a:p>
+                      <a:pPr latinLnBrk="1"/>
+                      <a:r>
+                        <a:rPr lang="ko-KR" altLang="en-US" sz="1700" dirty="0">
+                          <a:solidFill>
+                            <a:schemeClr val="tx1"/>
+                          </a:solidFill>
+                        </a:rPr>
+                        <a:t>난이도를 대폭 올린 스테이지 </a:t>
+                      </a:r>
+                      <a:r>
+                        <a:rPr lang="en-US" altLang="ko-KR" sz="1700" dirty="0">
+                          <a:solidFill>
+                            <a:schemeClr val="tx1"/>
+                          </a:solidFill>
+                        </a:rPr>
+                        <a:t>2 </a:t>
+                      </a:r>
+                      <a:r>
+                        <a:rPr lang="ko-KR" altLang="en-US" sz="1700" dirty="0">
+                          <a:solidFill>
+                            <a:schemeClr val="tx1"/>
+                          </a:solidFill>
+                        </a:rPr>
+                        <a:t>추가</a:t>
+                      </a:r>
+                    </a:p>
+                  </a:txBody>
+                  <a:tcPr marL="95692" marR="95692" marT="47846" marB="47846"/>
+                </a:tc>
+                <a:tc>
+                  <a:txBody>
+                    <a:bodyPr/>
+                    <a:lstStyle/>
+                    <a:p>
+                      <a:pPr latinLnBrk="1"/>
+                      <a:r>
+                        <a:rPr lang="ko-KR" altLang="en-US" sz="1600" dirty="0">
+                          <a:solidFill>
+                            <a:schemeClr val="tx1"/>
+                          </a:solidFill>
+                        </a:rPr>
+                        <a:t>스테이지 </a:t>
+                      </a:r>
+                      <a:r>
+                        <a:rPr lang="en-US" altLang="ko-KR" sz="1600" dirty="0">
+                          <a:solidFill>
+                            <a:schemeClr val="tx1"/>
+                          </a:solidFill>
+                        </a:rPr>
+                        <a:t>2</a:t>
+                      </a:r>
+                      <a:r>
+                        <a:rPr lang="ko-KR" altLang="en-US" sz="1600" dirty="0">
+                          <a:solidFill>
+                            <a:schemeClr val="tx1"/>
+                          </a:solidFill>
+                        </a:rPr>
+                        <a:t>개 구현</a:t>
+                      </a:r>
+                    </a:p>
+                  </a:txBody>
+                  <a:tcPr marL="95692" marR="95692" marT="47846" marB="47846"/>
+                </a:tc>
+                <a:tc>
+                  <a:txBody>
+                    <a:bodyPr/>
+                    <a:lstStyle/>
+                    <a:p>
+                      <a:pPr latinLnBrk="1"/>
+                      <a:r>
+                        <a:rPr lang="en-US" altLang="ko-KR" sz="1700" dirty="0">
+                          <a:solidFill>
+                            <a:srgbClr val="3333FF"/>
+                          </a:solidFill>
+                        </a:rPr>
+                        <a:t>100%</a:t>
+                      </a:r>
+                      <a:endParaRPr lang="ko-KR" altLang="en-US" sz="1700" dirty="0">
+                        <a:solidFill>
+                          <a:srgbClr val="3333FF"/>
+                        </a:solidFill>
+                      </a:endParaRPr>
+                    </a:p>
+                  </a:txBody>
+                  <a:tcPr marL="95692" marR="95692" marT="47846" marB="47846"/>
+                </a:tc>
+                <a:extLst>
+                  <a:ext uri="{0D108BD9-81ED-4DB2-BD59-A6C34878D82A}">
+                    <a16:rowId xmlns:a16="http://schemas.microsoft.com/office/drawing/2014/main" val="3600498629"/>
+                  </a:ext>
+                </a:extLst>
+              </a:tr>
+              <a:tr h="606047">
+                <a:tc>
+                  <a:txBody>
+                    <a:bodyPr/>
+                    <a:lstStyle/>
+                    <a:p>
+                      <a:pPr latinLnBrk="1"/>
+                      <a:r>
+                        <a:rPr lang="ko-KR" altLang="en-US" sz="1700" dirty="0"/>
+                        <a:t>적 </a:t>
+                      </a:r>
+                      <a:r>
+                        <a:rPr lang="en-US" altLang="ko-KR" sz="1700" dirty="0"/>
+                        <a:t>AI</a:t>
+                      </a:r>
+                      <a:endParaRPr lang="ko-KR" altLang="en-US" sz="1700" dirty="0"/>
+                    </a:p>
+                  </a:txBody>
+                  <a:tcPr marL="95692" marR="95692" marT="47846" marB="47846"/>
+                </a:tc>
+                <a:tc>
+                  <a:txBody>
+                    <a:bodyPr/>
+                    <a:lstStyle/>
+                    <a:p>
+                      <a:pPr latinLnBrk="1"/>
+                      <a:r>
+                        <a:rPr lang="ko-KR" altLang="en-US" sz="1700" dirty="0">
+                          <a:solidFill>
+                            <a:schemeClr val="tx1"/>
+                          </a:solidFill>
+                        </a:rPr>
+                        <a:t>특정 </a:t>
+                      </a:r>
+                      <a:r>
+                        <a:rPr lang="ko-KR" altLang="en-US" sz="1700" dirty="0" err="1">
+                          <a:solidFill>
+                            <a:schemeClr val="tx1"/>
+                          </a:solidFill>
+                        </a:rPr>
+                        <a:t>지형물</a:t>
+                      </a:r>
+                      <a:r>
+                        <a:rPr lang="ko-KR" altLang="en-US" sz="1700" dirty="0">
+                          <a:solidFill>
+                            <a:schemeClr val="tx1"/>
+                          </a:solidFill>
+                        </a:rPr>
+                        <a:t> 위에서 좌우로만 움직임</a:t>
+                      </a:r>
+                      <a:endParaRPr lang="en-US" altLang="ko-KR" sz="1700" dirty="0">
+                        <a:solidFill>
+                          <a:schemeClr val="tx1"/>
+                        </a:solidFill>
+                      </a:endParaRPr>
+                    </a:p>
+                    <a:p>
+                      <a:pPr marL="0" marR="0" lvl="0" indent="0" algn="l" defTabSz="914400" rtl="0" eaLnBrk="1" fontAlgn="auto" latinLnBrk="1" hangingPunct="1">
+                        <a:lnSpc>
+                          <a:spcPct val="100000"/>
+                        </a:lnSpc>
+                        <a:spcBef>
+                          <a:spcPts val="0"/>
+                        </a:spcBef>
+                        <a:spcAft>
+                          <a:spcPts val="0"/>
+                        </a:spcAft>
+                        <a:buClrTx/>
+                        <a:buSzTx/>
+                        <a:buFontTx/>
+                        <a:buNone/>
+                        <a:tabLst/>
+                        <a:defRPr/>
+                      </a:pPr>
+                      <a:r>
+                        <a:rPr lang="ko-KR" altLang="en-US" sz="1700" dirty="0">
+                          <a:solidFill>
+                            <a:schemeClr val="tx1"/>
+                          </a:solidFill>
+                        </a:rPr>
+                        <a:t>주인공을 </a:t>
+                      </a:r>
+                      <a:r>
+                        <a:rPr lang="ko-KR" altLang="en-US" sz="1700" dirty="0" err="1">
+                          <a:solidFill>
+                            <a:schemeClr val="tx1"/>
+                          </a:solidFill>
+                        </a:rPr>
+                        <a:t>발견시</a:t>
+                      </a:r>
+                      <a:r>
+                        <a:rPr lang="ko-KR" altLang="en-US" sz="1700" dirty="0">
+                          <a:solidFill>
+                            <a:schemeClr val="tx1"/>
+                          </a:solidFill>
+                        </a:rPr>
+                        <a:t> 주인공 방향으로 빠르게 이동</a:t>
+                      </a:r>
+                    </a:p>
+                  </a:txBody>
+                  <a:tcPr marL="95692" marR="95692" marT="47846" marB="47846"/>
+                </a:tc>
+                <a:tc>
+                  <a:txBody>
+                    <a:bodyPr/>
+                    <a:lstStyle/>
+                    <a:p>
+                      <a:pPr latinLnBrk="1"/>
+                      <a:r>
+                        <a:rPr lang="ko-KR" altLang="en-US" sz="1600" dirty="0">
+                          <a:solidFill>
+                            <a:schemeClr val="tx1"/>
+                          </a:solidFill>
+                        </a:rPr>
+                        <a:t>주인공 </a:t>
+                      </a:r>
+                      <a:r>
+                        <a:rPr lang="ko-KR" altLang="en-US" sz="1600" dirty="0" err="1">
+                          <a:solidFill>
+                            <a:schemeClr val="tx1"/>
+                          </a:solidFill>
+                        </a:rPr>
+                        <a:t>발견시</a:t>
+                      </a:r>
+                      <a:r>
+                        <a:rPr lang="ko-KR" altLang="en-US" sz="1600" dirty="0">
+                          <a:solidFill>
+                            <a:schemeClr val="tx1"/>
+                          </a:solidFill>
+                        </a:rPr>
+                        <a:t> 주인공 방향으로 빠르게 이동 구현 못함</a:t>
+                      </a:r>
+                    </a:p>
+                  </a:txBody>
+                  <a:tcPr marL="95692" marR="95692" marT="47846" marB="47846"/>
+                </a:tc>
+                <a:tc>
+                  <a:txBody>
+                    <a:bodyPr/>
+                    <a:lstStyle/>
+                    <a:p>
+                      <a:pPr latinLnBrk="1"/>
+                      <a:r>
+                        <a:rPr lang="en-US" altLang="ko-KR" sz="1700" dirty="0">
+                          <a:solidFill>
+                            <a:srgbClr val="FF0000"/>
+                          </a:solidFill>
+                        </a:rPr>
+                        <a:t>50%</a:t>
+                      </a:r>
+                      <a:endParaRPr lang="ko-KR" altLang="en-US" sz="1700" dirty="0">
+                        <a:solidFill>
+                          <a:srgbClr val="FF0000"/>
+                        </a:solidFill>
+                      </a:endParaRPr>
+                    </a:p>
+                  </a:txBody>
+                  <a:tcPr marL="95692" marR="95692" marT="47846" marB="47846"/>
+                </a:tc>
+                <a:extLst>
+                  <a:ext uri="{0D108BD9-81ED-4DB2-BD59-A6C34878D82A}">
+                    <a16:rowId xmlns:a16="http://schemas.microsoft.com/office/drawing/2014/main" val="2830012009"/>
+                  </a:ext>
+                </a:extLst>
+              </a:tr>
+              <a:tr h="606047">
+                <a:tc>
+                  <a:txBody>
+                    <a:bodyPr/>
+                    <a:lstStyle/>
+                    <a:p>
+                      <a:pPr latinLnBrk="1"/>
+                      <a:r>
+                        <a:rPr lang="ko-KR" altLang="en-US" sz="1700" dirty="0"/>
+                        <a:t>난이도</a:t>
+                      </a:r>
+                    </a:p>
+                  </a:txBody>
+                  <a:tcPr marL="95692" marR="95692" marT="47846" marB="47846"/>
+                </a:tc>
+                <a:tc>
+                  <a:txBody>
+                    <a:bodyPr/>
+                    <a:lstStyle/>
+                    <a:p>
+                      <a:pPr latinLnBrk="1"/>
+                      <a:r>
+                        <a:rPr lang="ko-KR" altLang="en-US" sz="1700" dirty="0">
+                          <a:solidFill>
+                            <a:schemeClr val="tx1"/>
+                          </a:solidFill>
+                        </a:rPr>
+                        <a:t>난이도 </a:t>
+                      </a:r>
+                      <a:r>
+                        <a:rPr lang="ko-KR" altLang="en-US" sz="1700" dirty="0" err="1">
+                          <a:solidFill>
+                            <a:schemeClr val="tx1"/>
+                          </a:solidFill>
+                        </a:rPr>
+                        <a:t>증가시</a:t>
+                      </a:r>
+                      <a:r>
+                        <a:rPr lang="ko-KR" altLang="en-US" sz="1700" dirty="0">
+                          <a:solidFill>
+                            <a:schemeClr val="tx1"/>
+                          </a:solidFill>
+                        </a:rPr>
+                        <a:t> 점프를 이용해 스테이지 클리어</a:t>
+                      </a:r>
+                      <a:endParaRPr lang="en-US" altLang="ko-KR" sz="1700" dirty="0">
+                        <a:solidFill>
+                          <a:schemeClr val="tx1"/>
+                        </a:solidFill>
+                      </a:endParaRPr>
+                    </a:p>
+                    <a:p>
+                      <a:pPr marL="0" marR="0" lvl="0" indent="0" algn="l" defTabSz="914400" rtl="0" eaLnBrk="1" fontAlgn="auto" latinLnBrk="1" hangingPunct="1">
+                        <a:lnSpc>
+                          <a:spcPct val="100000"/>
+                        </a:lnSpc>
+                        <a:spcBef>
+                          <a:spcPts val="0"/>
+                        </a:spcBef>
+                        <a:spcAft>
+                          <a:spcPts val="0"/>
+                        </a:spcAft>
+                        <a:buClrTx/>
+                        <a:buSzTx/>
+                        <a:buFontTx/>
+                        <a:buNone/>
+                        <a:tabLst/>
+                        <a:defRPr/>
+                      </a:pPr>
+                      <a:r>
+                        <a:rPr lang="ko-KR" altLang="en-US" sz="1700" dirty="0">
+                          <a:solidFill>
+                            <a:schemeClr val="tx1"/>
+                          </a:solidFill>
+                        </a:rPr>
+                        <a:t>난이도 </a:t>
+                      </a:r>
+                      <a:r>
+                        <a:rPr lang="ko-KR" altLang="en-US" sz="1700" dirty="0" err="1">
+                          <a:solidFill>
+                            <a:schemeClr val="tx1"/>
+                          </a:solidFill>
+                        </a:rPr>
+                        <a:t>증가시</a:t>
+                      </a:r>
+                      <a:r>
+                        <a:rPr lang="ko-KR" altLang="en-US" sz="1700" dirty="0">
+                          <a:solidFill>
+                            <a:schemeClr val="tx1"/>
+                          </a:solidFill>
+                        </a:rPr>
+                        <a:t> 공중 적 추가</a:t>
+                      </a:r>
+                    </a:p>
+                  </a:txBody>
+                  <a:tcPr marL="95692" marR="95692" marT="47846" marB="47846"/>
+                </a:tc>
+                <a:tc>
+                  <a:txBody>
+                    <a:bodyPr/>
+                    <a:lstStyle/>
+                    <a:p>
+                      <a:pPr marL="0" marR="0" lvl="0" indent="0" algn="l" defTabSz="914400" rtl="0" eaLnBrk="1" fontAlgn="auto" latinLnBrk="1" hangingPunct="1">
+                        <a:lnSpc>
+                          <a:spcPct val="100000"/>
+                        </a:lnSpc>
+                        <a:spcBef>
+                          <a:spcPts val="0"/>
+                        </a:spcBef>
+                        <a:spcAft>
+                          <a:spcPts val="0"/>
+                        </a:spcAft>
+                        <a:buClrTx/>
+                        <a:buSzTx/>
+                        <a:buFontTx/>
+                        <a:buNone/>
+                        <a:tabLst/>
+                        <a:defRPr/>
+                      </a:pPr>
+                      <a:r>
+                        <a:rPr lang="ko-KR" altLang="en-US" sz="1600" dirty="0">
+                          <a:solidFill>
+                            <a:schemeClr val="tx1"/>
+                          </a:solidFill>
+                        </a:rPr>
+                        <a:t>난이도 증가에 따른 오브젝트 구현 완료</a:t>
+                      </a:r>
+                    </a:p>
+                  </a:txBody>
+                  <a:tcPr marL="95692" marR="95692" marT="47846" marB="47846"/>
+                </a:tc>
+                <a:tc>
+                  <a:txBody>
+                    <a:bodyPr/>
+                    <a:lstStyle/>
+                    <a:p>
+                      <a:pPr marL="0" marR="0" lvl="0" indent="0" algn="l" defTabSz="914400" rtl="0" eaLnBrk="1" fontAlgn="auto" latinLnBrk="1" hangingPunct="1">
+                        <a:lnSpc>
+                          <a:spcPct val="100000"/>
+                        </a:lnSpc>
+                        <a:spcBef>
+                          <a:spcPts val="0"/>
+                        </a:spcBef>
+                        <a:spcAft>
+                          <a:spcPts val="0"/>
+                        </a:spcAft>
+                        <a:buClrTx/>
+                        <a:buSzTx/>
+                        <a:buFontTx/>
+                        <a:buNone/>
+                        <a:tabLst/>
+                        <a:defRPr/>
+                      </a:pPr>
+                      <a:r>
+                        <a:rPr lang="en-US" altLang="ko-KR" sz="1700" dirty="0">
+                          <a:solidFill>
+                            <a:srgbClr val="3333FF"/>
+                          </a:solidFill>
+                        </a:rPr>
+                        <a:t>100%</a:t>
+                      </a:r>
+                      <a:endParaRPr lang="ko-KR" altLang="en-US" sz="1700" dirty="0">
+                        <a:solidFill>
+                          <a:srgbClr val="3333FF"/>
+                        </a:solidFill>
+                      </a:endParaRPr>
+                    </a:p>
+                  </a:txBody>
+                  <a:tcPr marL="95692" marR="95692" marT="47846" marB="47846"/>
+                </a:tc>
+                <a:extLst>
+                  <a:ext uri="{0D108BD9-81ED-4DB2-BD59-A6C34878D82A}">
+                    <a16:rowId xmlns:a16="http://schemas.microsoft.com/office/drawing/2014/main" val="3573020117"/>
+                  </a:ext>
+                </a:extLst>
+              </a:tr>
+              <a:tr h="1116403">
+                <a:tc>
+                  <a:txBody>
+                    <a:bodyPr/>
+                    <a:lstStyle/>
+                    <a:p>
+                      <a:pPr latinLnBrk="1"/>
+                      <a:r>
+                        <a:rPr lang="ko-KR" altLang="en-US" sz="1700" dirty="0"/>
+                        <a:t>게임 기능</a:t>
+                      </a:r>
+                    </a:p>
+                  </a:txBody>
+                  <a:tcPr marL="95692" marR="95692" marT="47846" marB="47846"/>
+                </a:tc>
+                <a:tc>
+                  <a:txBody>
+                    <a:bodyPr/>
+                    <a:lstStyle/>
+                    <a:p>
+                      <a:pPr latinLnBrk="1"/>
+                      <a:r>
+                        <a:rPr lang="ko-KR" altLang="en-US" sz="1700" dirty="0">
+                          <a:solidFill>
+                            <a:schemeClr val="tx1"/>
+                          </a:solidFill>
+                        </a:rPr>
+                        <a:t>원거리 공격을 할 수 있는 아이템 </a:t>
+                      </a:r>
+                      <a:r>
+                        <a:rPr lang="en-US" altLang="ko-KR" sz="1700" dirty="0">
+                          <a:solidFill>
+                            <a:schemeClr val="tx1"/>
+                          </a:solidFill>
+                        </a:rPr>
+                        <a:t>1</a:t>
+                      </a:r>
+                      <a:r>
+                        <a:rPr lang="ko-KR" altLang="en-US" sz="1700" dirty="0">
+                          <a:solidFill>
+                            <a:schemeClr val="tx1"/>
+                          </a:solidFill>
+                        </a:rPr>
+                        <a:t>개 존재 </a:t>
+                      </a:r>
+                      <a:r>
+                        <a:rPr lang="en-US" altLang="ko-KR" sz="1700" dirty="0">
+                          <a:solidFill>
+                            <a:schemeClr val="tx1"/>
+                          </a:solidFill>
+                        </a:rPr>
+                        <a:t>/ </a:t>
+                      </a:r>
+                      <a:r>
+                        <a:rPr lang="ko-KR" altLang="en-US" sz="1700" dirty="0">
+                          <a:solidFill>
+                            <a:schemeClr val="tx1"/>
+                          </a:solidFill>
+                        </a:rPr>
+                        <a:t>공격 키로 적 제거 가능 </a:t>
+                      </a:r>
+                      <a:r>
+                        <a:rPr lang="en-US" altLang="ko-KR" sz="1700" dirty="0">
+                          <a:solidFill>
+                            <a:schemeClr val="tx1"/>
+                          </a:solidFill>
+                        </a:rPr>
+                        <a:t>/ </a:t>
+                      </a:r>
+                      <a:r>
+                        <a:rPr lang="ko-KR" altLang="en-US" sz="1700" dirty="0" err="1">
+                          <a:solidFill>
+                            <a:schemeClr val="tx1"/>
+                          </a:solidFill>
+                        </a:rPr>
+                        <a:t>피격시</a:t>
+                      </a:r>
+                      <a:r>
+                        <a:rPr lang="ko-KR" altLang="en-US" sz="1700" dirty="0">
+                          <a:solidFill>
+                            <a:schemeClr val="tx1"/>
+                          </a:solidFill>
+                        </a:rPr>
+                        <a:t> 사망 </a:t>
+                      </a:r>
+                      <a:r>
+                        <a:rPr lang="en-US" altLang="ko-KR" sz="1700" dirty="0">
+                          <a:solidFill>
+                            <a:schemeClr val="tx1"/>
+                          </a:solidFill>
+                        </a:rPr>
+                        <a:t> / </a:t>
+                      </a:r>
+                      <a:r>
+                        <a:rPr lang="ko-KR" altLang="en-US" sz="1700" dirty="0" err="1">
+                          <a:solidFill>
+                            <a:schemeClr val="tx1"/>
+                          </a:solidFill>
+                        </a:rPr>
+                        <a:t>낭떨어지에서</a:t>
+                      </a:r>
+                      <a:r>
+                        <a:rPr lang="ko-KR" altLang="en-US" sz="1700" dirty="0">
+                          <a:solidFill>
+                            <a:schemeClr val="tx1"/>
+                          </a:solidFill>
+                        </a:rPr>
+                        <a:t> 떨어지면 사망</a:t>
+                      </a:r>
+                    </a:p>
+                  </a:txBody>
+                  <a:tcPr marL="95692" marR="95692" marT="47846" marB="47846"/>
+                </a:tc>
+                <a:tc>
+                  <a:txBody>
+                    <a:bodyPr/>
+                    <a:lstStyle/>
+                    <a:p>
+                      <a:pPr latinLnBrk="1"/>
+                      <a:r>
+                        <a:rPr lang="ko-KR" altLang="en-US" sz="1600" dirty="0">
+                          <a:solidFill>
+                            <a:schemeClr val="tx1"/>
+                          </a:solidFill>
+                        </a:rPr>
+                        <a:t>목표 범위 구현 완료</a:t>
+                      </a:r>
+                      <a:endParaRPr lang="en-US" altLang="ko-KR" sz="1600" dirty="0">
+                        <a:solidFill>
+                          <a:schemeClr val="tx1"/>
+                        </a:solidFill>
+                      </a:endParaRPr>
+                    </a:p>
+                  </a:txBody>
+                  <a:tcPr marL="95692" marR="95692" marT="47846" marB="47846"/>
+                </a:tc>
+                <a:tc>
+                  <a:txBody>
+                    <a:bodyPr/>
+                    <a:lstStyle/>
+                    <a:p>
+                      <a:pPr latinLnBrk="1"/>
+                      <a:r>
+                        <a:rPr lang="en-US" altLang="ko-KR" sz="1700" dirty="0">
+                          <a:solidFill>
+                            <a:srgbClr val="3333FF"/>
+                          </a:solidFill>
+                        </a:rPr>
+                        <a:t>100%</a:t>
+                      </a:r>
+                      <a:endParaRPr lang="en-US" altLang="ko-KR" sz="1700" dirty="0">
+                        <a:solidFill>
+                          <a:srgbClr val="FF0000"/>
+                        </a:solidFill>
+                      </a:endParaRPr>
+                    </a:p>
+                  </a:txBody>
+                  <a:tcPr marL="95692" marR="95692" marT="47846" marB="47846"/>
+                </a:tc>
+                <a:extLst>
+                  <a:ext uri="{0D108BD9-81ED-4DB2-BD59-A6C34878D82A}">
+                    <a16:rowId xmlns:a16="http://schemas.microsoft.com/office/drawing/2014/main" val="2051441257"/>
+                  </a:ext>
+                </a:extLst>
+              </a:tr>
+              <a:tr h="388083">
+                <a:tc>
+                  <a:txBody>
+                    <a:bodyPr/>
+                    <a:lstStyle/>
+                    <a:p>
+                      <a:pPr latinLnBrk="1"/>
+                      <a:r>
+                        <a:rPr lang="ko-KR" altLang="en-US" sz="1700" dirty="0"/>
+                        <a:t>사운드 </a:t>
+                      </a:r>
+                    </a:p>
+                  </a:txBody>
+                  <a:tcPr marL="95692" marR="95692" marT="47846" marB="47846"/>
+                </a:tc>
+                <a:tc>
+                  <a:txBody>
+                    <a:bodyPr/>
+                    <a:lstStyle/>
+                    <a:p>
+                      <a:pPr latinLnBrk="1"/>
+                      <a:r>
+                        <a:rPr lang="ko-KR" altLang="en-US" sz="1700" dirty="0">
+                          <a:solidFill>
+                            <a:schemeClr val="tx1"/>
+                          </a:solidFill>
+                        </a:rPr>
+                        <a:t>배경 음악 </a:t>
+                      </a:r>
+                      <a:r>
+                        <a:rPr lang="en-US" altLang="ko-KR" sz="1700" dirty="0">
+                          <a:solidFill>
+                            <a:schemeClr val="tx1"/>
+                          </a:solidFill>
+                        </a:rPr>
+                        <a:t>/ </a:t>
+                      </a:r>
+                      <a:r>
+                        <a:rPr lang="ko-KR" altLang="en-US" sz="1700" dirty="0">
+                          <a:solidFill>
+                            <a:schemeClr val="tx1"/>
+                          </a:solidFill>
+                        </a:rPr>
+                        <a:t>점프 효과음 </a:t>
+                      </a:r>
+                      <a:r>
+                        <a:rPr lang="en-US" altLang="ko-KR" sz="1700" dirty="0">
+                          <a:solidFill>
+                            <a:schemeClr val="tx1"/>
+                          </a:solidFill>
+                        </a:rPr>
+                        <a:t>/ </a:t>
+                      </a:r>
+                      <a:r>
+                        <a:rPr lang="ko-KR" altLang="en-US" sz="1700" dirty="0">
+                          <a:solidFill>
+                            <a:schemeClr val="tx1"/>
+                          </a:solidFill>
+                        </a:rPr>
+                        <a:t>공격 효과음 </a:t>
+                      </a:r>
+                      <a:r>
+                        <a:rPr lang="en-US" altLang="ko-KR" sz="1700" dirty="0">
+                          <a:solidFill>
+                            <a:schemeClr val="tx1"/>
+                          </a:solidFill>
+                        </a:rPr>
+                        <a:t>/ </a:t>
+                      </a:r>
+                      <a:r>
+                        <a:rPr lang="ko-KR" altLang="en-US" sz="1700" dirty="0">
+                          <a:solidFill>
+                            <a:schemeClr val="tx1"/>
+                          </a:solidFill>
+                        </a:rPr>
+                        <a:t>아이템 획득 효과음 </a:t>
+                      </a:r>
+                      <a:r>
+                        <a:rPr lang="en-US" altLang="ko-KR" sz="1700" dirty="0">
+                          <a:solidFill>
+                            <a:schemeClr val="tx1"/>
+                          </a:solidFill>
+                        </a:rPr>
+                        <a:t>/ </a:t>
+                      </a:r>
+                      <a:r>
+                        <a:rPr lang="ko-KR" altLang="en-US" sz="1700" dirty="0">
+                          <a:solidFill>
+                            <a:schemeClr val="tx1"/>
+                          </a:solidFill>
+                        </a:rPr>
+                        <a:t>적 </a:t>
+                      </a:r>
+                      <a:r>
+                        <a:rPr lang="ko-KR" altLang="en-US" sz="1700" dirty="0" err="1">
+                          <a:solidFill>
+                            <a:schemeClr val="tx1"/>
+                          </a:solidFill>
+                        </a:rPr>
+                        <a:t>피격시</a:t>
+                      </a:r>
+                      <a:r>
+                        <a:rPr lang="ko-KR" altLang="en-US" sz="1700" dirty="0">
+                          <a:solidFill>
+                            <a:schemeClr val="tx1"/>
+                          </a:solidFill>
+                        </a:rPr>
+                        <a:t> 효과음</a:t>
+                      </a:r>
+                    </a:p>
+                  </a:txBody>
+                  <a:tcPr marL="95692" marR="95692" marT="47846" marB="47846"/>
+                </a:tc>
+                <a:tc>
+                  <a:txBody>
+                    <a:bodyPr/>
+                    <a:lstStyle/>
+                    <a:p>
+                      <a:pPr latinLnBrk="1"/>
+                      <a:r>
+                        <a:rPr lang="ko-KR" altLang="en-US" sz="1600" dirty="0">
+                          <a:solidFill>
+                            <a:schemeClr val="tx1"/>
+                          </a:solidFill>
+                        </a:rPr>
+                        <a:t>목표범위 구현 완료</a:t>
+                      </a:r>
+                    </a:p>
+                  </a:txBody>
+                  <a:tcPr marL="95692" marR="95692" marT="47846" marB="47846"/>
+                </a:tc>
+                <a:tc>
+                  <a:txBody>
+                    <a:bodyPr/>
+                    <a:lstStyle/>
+                    <a:p>
+                      <a:pPr latinLnBrk="1"/>
+                      <a:r>
+                        <a:rPr lang="en-US" altLang="ko-KR" sz="1600" dirty="0">
+                          <a:solidFill>
+                            <a:srgbClr val="3333FF"/>
+                          </a:solidFill>
+                        </a:rPr>
+                        <a:t>100%</a:t>
+                      </a:r>
+                      <a:endParaRPr lang="ko-KR" altLang="en-US" sz="1600" dirty="0"/>
+                    </a:p>
+                  </a:txBody>
+                  <a:tcPr marL="95692" marR="95692" marT="47846" marB="47846"/>
+                </a:tc>
+                <a:extLst>
+                  <a:ext uri="{0D108BD9-81ED-4DB2-BD59-A6C34878D82A}">
+                    <a16:rowId xmlns:a16="http://schemas.microsoft.com/office/drawing/2014/main" val="2669605434"/>
+                  </a:ext>
+                </a:extLst>
+              </a:tr>
+              <a:tr h="606047">
+                <a:tc>
+                  <a:txBody>
+                    <a:bodyPr/>
+                    <a:lstStyle/>
+                    <a:p>
+                      <a:pPr latinLnBrk="1"/>
+                      <a:r>
+                        <a:rPr lang="ko-KR" altLang="en-US" sz="1700" dirty="0"/>
+                        <a:t>애니메이션</a:t>
+                      </a:r>
+                    </a:p>
+                  </a:txBody>
+                  <a:tcPr marL="95692" marR="95692" marT="47846" marB="47846"/>
+                </a:tc>
+                <a:tc>
+                  <a:txBody>
+                    <a:bodyPr/>
+                    <a:lstStyle/>
+                    <a:p>
+                      <a:pPr latinLnBrk="1"/>
+                      <a:r>
+                        <a:rPr lang="ko-KR" altLang="en-US" sz="1700" dirty="0">
+                          <a:solidFill>
+                            <a:schemeClr val="tx1"/>
+                          </a:solidFill>
+                        </a:rPr>
+                        <a:t>주인공의 이동 </a:t>
+                      </a:r>
+                      <a:r>
+                        <a:rPr lang="en-US" altLang="ko-KR" sz="1700" dirty="0">
+                          <a:solidFill>
+                            <a:schemeClr val="tx1"/>
+                          </a:solidFill>
+                        </a:rPr>
+                        <a:t>/</a:t>
+                      </a:r>
+                      <a:r>
+                        <a:rPr lang="ko-KR" altLang="en-US" sz="1700" dirty="0">
+                          <a:solidFill>
+                            <a:schemeClr val="tx1"/>
+                          </a:solidFill>
+                        </a:rPr>
+                        <a:t>주인공의 공격</a:t>
+                      </a:r>
+                      <a:r>
+                        <a:rPr lang="en-US" altLang="ko-KR" sz="1700" dirty="0">
+                          <a:solidFill>
+                            <a:schemeClr val="tx1"/>
+                          </a:solidFill>
+                        </a:rPr>
+                        <a:t> /</a:t>
+                      </a:r>
+                      <a:r>
+                        <a:rPr lang="ko-KR" altLang="en-US" sz="1700" dirty="0">
+                          <a:solidFill>
+                            <a:schemeClr val="tx1"/>
+                          </a:solidFill>
+                        </a:rPr>
+                        <a:t>적 이동 </a:t>
+                      </a:r>
+                      <a:r>
+                        <a:rPr lang="en-US" altLang="ko-KR" sz="1700" dirty="0">
+                          <a:solidFill>
+                            <a:schemeClr val="tx1"/>
+                          </a:solidFill>
+                        </a:rPr>
+                        <a:t>/ </a:t>
+                      </a:r>
+                      <a:r>
+                        <a:rPr lang="ko-KR" altLang="en-US" sz="1700" dirty="0">
+                          <a:solidFill>
+                            <a:schemeClr val="tx1"/>
+                          </a:solidFill>
+                        </a:rPr>
+                        <a:t>원거리 공격 모션</a:t>
+                      </a:r>
+                    </a:p>
+                  </a:txBody>
+                  <a:tcPr marL="95692" marR="95692" marT="47846" marB="47846"/>
+                </a:tc>
+                <a:tc>
+                  <a:txBody>
+                    <a:bodyPr/>
+                    <a:lstStyle/>
+                    <a:p>
+                      <a:pPr marL="0" marR="0" lvl="0" indent="0" algn="l" defTabSz="914400" rtl="0" eaLnBrk="1" fontAlgn="auto" latinLnBrk="1" hangingPunct="1">
+                        <a:lnSpc>
+                          <a:spcPct val="100000"/>
+                        </a:lnSpc>
+                        <a:spcBef>
+                          <a:spcPts val="0"/>
+                        </a:spcBef>
+                        <a:spcAft>
+                          <a:spcPts val="0"/>
+                        </a:spcAft>
+                        <a:buClrTx/>
+                        <a:buSzTx/>
+                        <a:buFontTx/>
+                        <a:buNone/>
+                        <a:tabLst/>
+                        <a:defRPr/>
+                      </a:pPr>
+                      <a:r>
+                        <a:rPr lang="ko-KR" altLang="en-US" sz="1600" dirty="0">
+                          <a:solidFill>
+                            <a:schemeClr val="tx1"/>
+                          </a:solidFill>
+                        </a:rPr>
+                        <a:t>목표범위 구현 완료</a:t>
+                      </a:r>
+                    </a:p>
+                    <a:p>
+                      <a:pPr latinLnBrk="1"/>
+                      <a:endParaRPr lang="ko-KR" altLang="en-US" sz="1600" dirty="0">
+                        <a:solidFill>
+                          <a:schemeClr val="tx1"/>
+                        </a:solidFill>
+                      </a:endParaRPr>
+                    </a:p>
+                  </a:txBody>
+                  <a:tcPr marL="95692" marR="95692" marT="47846" marB="47846"/>
+                </a:tc>
+                <a:tc>
+                  <a:txBody>
+                    <a:bodyPr/>
+                    <a:lstStyle/>
+                    <a:p>
+                      <a:pPr latinLnBrk="1"/>
+                      <a:r>
+                        <a:rPr lang="en-US" altLang="ko-KR" sz="1700" dirty="0">
                           <a:solidFill>
                             <a:srgbClr val="3333FF"/>
                           </a:solidFill>
